--- a/documents/set5/Presentation5.pptx
+++ b/documents/set5/Presentation5.pptx
@@ -5,14 +5,17 @@
     <p:sldMasterId id="2147483780" r:id="rId1"/>
   </p:sldMasterIdLst>
   <p:notesMasterIdLst>
-    <p:notesMasterId r:id="rId7"/>
+    <p:notesMasterId r:id="rId10"/>
   </p:notesMasterIdLst>
   <p:sldIdLst>
     <p:sldId id="256" r:id="rId2"/>
     <p:sldId id="265" r:id="rId3"/>
     <p:sldId id="266" r:id="rId4"/>
-    <p:sldId id="267" r:id="rId5"/>
-    <p:sldId id="269" r:id="rId6"/>
+    <p:sldId id="271" r:id="rId5"/>
+    <p:sldId id="267" r:id="rId6"/>
+    <p:sldId id="273" r:id="rId7"/>
+    <p:sldId id="272" r:id="rId8"/>
+    <p:sldId id="269" r:id="rId9"/>
   </p:sldIdLst>
   <p:sldSz cx="12192000" cy="6858000"/>
   <p:notesSz cx="6858000" cy="9144000"/>
@@ -4303,11 +4306,7 @@
             </a:r>
             <a:r>
               <a:rPr lang="en-US" dirty="0"/>
-              <a:t>is better to demonstrate different configurations of the environment using file uploading rather than drawing a new environment every time.</a:t>
-            </a:r>
-            <a:r>
-              <a:rPr lang="en-US" dirty="0"/>
-              <a:t> </a:t>
+              <a:t>is better to demonstrate different configurations of the environment using file uploading rather than drawing a new environment every time. </a:t>
             </a:r>
             <a:endParaRPr lang="en-US" dirty="0" smtClean="0"/>
           </a:p>
@@ -4320,15 +4319,7 @@
             </a:pPr>
             <a:r>
               <a:rPr lang="en-US" b="1" dirty="0" smtClean="0"/>
-              <a:t>Meeting </a:t>
-            </a:r>
-            <a:r>
-              <a:rPr lang="en-US" b="1" dirty="0" smtClean="0"/>
-              <a:t>Logs</a:t>
-            </a:r>
-            <a:r>
-              <a:rPr lang="en-US" b="1" dirty="0" smtClean="0"/>
-              <a:t>:</a:t>
+              <a:t>Meeting Logs:</a:t>
             </a:r>
           </a:p>
           <a:p>
@@ -4342,7 +4333,6 @@
               <a:rPr lang="en-US" dirty="0" smtClean="0"/>
               <a:t>OK.</a:t>
             </a:r>
-            <a:endParaRPr lang="en-US" dirty="0" smtClean="0"/>
           </a:p>
           <a:p>
             <a:pPr marL="0" indent="0">
@@ -4621,149 +4611,6 @@
           <a:chExt cx="0" cy="0"/>
         </a:xfrm>
       </p:grpSpPr>
-      <p:sp useBgFill="1">
-        <p:nvSpPr>
-          <p:cNvPr id="16" name="Rectangle 15"/>
-          <p:cNvSpPr>
-            <a:spLocks noGrp="1" noRot="1" noChangeAspect="1" noMove="1" noResize="1" noEditPoints="1" noAdjustHandles="1" noChangeArrowheads="1" noChangeShapeType="1" noTextEdit="1"/>
-          </p:cNvSpPr>
-          <p:nvPr>
-            <p:extLst>
-              <p:ext uri="{386F3935-93C4-4BCD-93E2-E3B085C9AB24}">
-                <p16:designElem xmlns:p16="http://schemas.microsoft.com/office/powerpoint/2015/main" val="1"/>
-              </p:ext>
-            </p:extLst>
-          </p:nvPr>
-        </p:nvSpPr>
-        <p:spPr>
-          <a:xfrm>
-            <a:off x="0" y="0"/>
-            <a:ext cx="12186315" cy="6858000"/>
-          </a:xfrm>
-          <a:prstGeom prst="rect">
-            <a:avLst/>
-          </a:prstGeom>
-          <a:ln>
-            <a:noFill/>
-          </a:ln>
-        </p:spPr>
-        <p:style>
-          <a:lnRef idx="2">
-            <a:schemeClr val="accent6">
-              <a:shade val="50000"/>
-            </a:schemeClr>
-          </a:lnRef>
-          <a:fillRef idx="1001">
-            <a:schemeClr val="lt1"/>
-          </a:fillRef>
-          <a:effectRef idx="0">
-            <a:schemeClr val="accent6"/>
-          </a:effectRef>
-          <a:fontRef idx="minor">
-            <a:schemeClr val="lt1"/>
-          </a:fontRef>
-        </p:style>
-        <p:txBody>
-          <a:bodyPr rtlCol="0" anchor="ctr"/>
-          <a:lstStyle/>
-          <a:p>
-            <a:pPr algn="ctr"/>
-            <a:endParaRPr lang="en-US"/>
-          </a:p>
-        </p:txBody>
-      </p:sp>
-      <p:sp>
-        <p:nvSpPr>
-          <p:cNvPr id="18" name="Rectangle 17"/>
-          <p:cNvSpPr>
-            <a:spLocks noGrp="1" noRot="1" noChangeAspect="1" noMove="1" noResize="1" noEditPoints="1" noAdjustHandles="1" noChangeArrowheads="1" noChangeShapeType="1" noTextEdit="1"/>
-          </p:cNvSpPr>
-          <p:nvPr>
-            <p:extLst>
-              <p:ext uri="{386F3935-93C4-4BCD-93E2-E3B085C9AB24}">
-                <p16:designElem xmlns:p16="http://schemas.microsoft.com/office/powerpoint/2015/main" val="1"/>
-              </p:ext>
-            </p:extLst>
-          </p:nvPr>
-        </p:nvSpPr>
-        <p:spPr>
-          <a:xfrm>
-            <a:off x="16" y="0"/>
-            <a:ext cx="4050791" cy="6858000"/>
-          </a:xfrm>
-          <a:prstGeom prst="rect">
-            <a:avLst/>
-          </a:prstGeom>
-          <a:solidFill>
-            <a:schemeClr val="accent2"/>
-          </a:solidFill>
-          <a:ln>
-            <a:noFill/>
-          </a:ln>
-        </p:spPr>
-        <p:style>
-          <a:lnRef idx="2">
-            <a:schemeClr val="accent1">
-              <a:shade val="50000"/>
-            </a:schemeClr>
-          </a:lnRef>
-          <a:fillRef idx="1">
-            <a:schemeClr val="accent1"/>
-          </a:fillRef>
-          <a:effectRef idx="0">
-            <a:schemeClr val="accent1"/>
-          </a:effectRef>
-          <a:fontRef idx="minor">
-            <a:schemeClr val="lt1"/>
-          </a:fontRef>
-        </p:style>
-      </p:sp>
-      <p:sp>
-        <p:nvSpPr>
-          <p:cNvPr id="20" name="Rectangle 19"/>
-          <p:cNvSpPr>
-            <a:spLocks noGrp="1" noRot="1" noChangeAspect="1" noMove="1" noResize="1" noEditPoints="1" noAdjustHandles="1" noChangeArrowheads="1" noChangeShapeType="1" noTextEdit="1"/>
-          </p:cNvSpPr>
-          <p:nvPr>
-            <p:extLst>
-              <p:ext uri="{386F3935-93C4-4BCD-93E2-E3B085C9AB24}">
-                <p16:designElem xmlns:p16="http://schemas.microsoft.com/office/powerpoint/2015/main" val="1"/>
-              </p:ext>
-            </p:extLst>
-          </p:nvPr>
-        </p:nvSpPr>
-        <p:spPr>
-          <a:xfrm>
-            <a:off x="4040071" y="0"/>
-            <a:ext cx="64008" cy="6858000"/>
-          </a:xfrm>
-          <a:prstGeom prst="rect">
-            <a:avLst/>
-          </a:prstGeom>
-          <a:solidFill>
-            <a:schemeClr val="accent1"/>
-          </a:solidFill>
-          <a:ln>
-            <a:noFill/>
-          </a:ln>
-        </p:spPr>
-        <p:style>
-          <a:lnRef idx="2">
-            <a:schemeClr val="accent1">
-              <a:shade val="50000"/>
-            </a:schemeClr>
-          </a:lnRef>
-          <a:fillRef idx="1">
-            <a:schemeClr val="accent1"/>
-          </a:fillRef>
-          <a:effectRef idx="0">
-            <a:schemeClr val="accent1"/>
-          </a:effectRef>
-          <a:fontRef idx="minor">
-            <a:schemeClr val="lt1"/>
-          </a:fontRef>
-        </p:style>
-      </p:sp>
       <p:sp>
         <p:nvSpPr>
           <p:cNvPr id="2" name="Title 1"/>
@@ -4774,31 +4621,16 @@
             <p:ph type="title"/>
           </p:nvPr>
         </p:nvSpPr>
-        <p:spPr>
-          <a:xfrm>
-            <a:off x="492370" y="516835"/>
-            <a:ext cx="3084844" cy="2103875"/>
-          </a:xfrm>
-        </p:spPr>
-        <p:txBody>
-          <a:bodyPr>
-            <a:normAutofit/>
-          </a:bodyPr>
-          <a:lstStyle/>
-          <a:p>
-            <a:r>
-              <a:rPr lang="en-US" altLang="zh-CN" sz="3600">
-                <a:solidFill>
-                  <a:srgbClr val="FFFFFF"/>
-                </a:solidFill>
-              </a:rPr>
-              <a:t>Sprint Tasks</a:t>
-            </a:r>
-            <a:endParaRPr lang="en-US" sz="3600">
-              <a:solidFill>
-                <a:srgbClr val="FFFFFF"/>
-              </a:solidFill>
-            </a:endParaRPr>
+        <p:spPr/>
+        <p:txBody>
+          <a:bodyPr/>
+          <a:lstStyle/>
+          <a:p>
+            <a:r>
+              <a:rPr lang="en-US" dirty="0" smtClean="0"/>
+              <a:t>User Stories</a:t>
+            </a:r>
+            <a:endParaRPr lang="en-US" dirty="0"/>
           </a:p>
         </p:txBody>
       </p:sp>
@@ -4812,45 +4644,66 @@
             <p:ph idx="1"/>
           </p:nvPr>
         </p:nvSpPr>
-        <p:spPr>
-          <a:xfrm>
-            <a:off x="492371" y="2653800"/>
-            <a:ext cx="3084844" cy="3335519"/>
-          </a:xfrm>
-        </p:spPr>
-        <p:txBody>
-          <a:bodyPr>
-            <a:normAutofit/>
-          </a:bodyPr>
-          <a:lstStyle/>
-          <a:p>
-            <a:r>
-              <a:rPr lang="en-US" sz="1600" dirty="0" err="1" smtClean="0">
-                <a:solidFill>
-                  <a:srgbClr val="FFFFFF"/>
-                </a:solidFill>
-              </a:rPr>
-              <a:t>aaabbb</a:t>
-            </a:r>
-            <a:endParaRPr lang="en-US" sz="1600" dirty="0">
-              <a:solidFill>
-                <a:srgbClr val="FFFFFF"/>
-              </a:solidFill>
-            </a:endParaRPr>
-          </a:p>
-          <a:p>
-            <a:endParaRPr lang="en-US" sz="1500" dirty="0">
-              <a:solidFill>
-                <a:srgbClr val="FFFFFF"/>
-              </a:solidFill>
-            </a:endParaRPr>
+        <p:spPr/>
+        <p:txBody>
+          <a:bodyPr/>
+          <a:lstStyle/>
+          <a:p>
+            <a:pPr>
+              <a:buFont typeface="Courier New" charset="0"/>
+              <a:buChar char="o"/>
+            </a:pPr>
+            <a:r>
+              <a:rPr lang="en-US" dirty="0" smtClean="0"/>
+              <a:t> Updated:</a:t>
+            </a:r>
+          </a:p>
+          <a:p>
+            <a:pPr lvl="1">
+              <a:buFont typeface="Courier New" charset="0"/>
+              <a:buChar char="o"/>
+            </a:pPr>
+            <a:r>
+              <a:rPr lang="en-US" dirty="0"/>
+              <a:t>Load environment file </a:t>
+            </a:r>
+          </a:p>
+          <a:p>
+            <a:pPr lvl="1">
+              <a:buFont typeface="Courier New" charset="0"/>
+              <a:buChar char="o"/>
+            </a:pPr>
+            <a:r>
+              <a:rPr lang="en-US" dirty="0"/>
+              <a:t>Filter historical runs of the algorithm</a:t>
+            </a:r>
+            <a:r>
+              <a:rPr lang="en-US" dirty="0"/>
+              <a:t> </a:t>
+            </a:r>
+            <a:endParaRPr lang="en-US" dirty="0" smtClean="0"/>
+          </a:p>
+          <a:p>
+            <a:pPr lvl="1">
+              <a:buFont typeface="Courier New" charset="0"/>
+              <a:buChar char="o"/>
+            </a:pPr>
+            <a:r>
+              <a:rPr lang="en-US" dirty="0"/>
+              <a:t>View the target list in Graph view</a:t>
+            </a:r>
+            <a:r>
+              <a:rPr lang="en-US" dirty="0"/>
+              <a:t> </a:t>
+            </a:r>
+            <a:endParaRPr lang="en-US" dirty="0" smtClean="0"/>
           </a:p>
         </p:txBody>
       </p:sp>
     </p:spTree>
     <p:extLst>
       <p:ext uri="{BB962C8B-B14F-4D97-AF65-F5344CB8AC3E}">
-        <p14:creationId xmlns:p14="http://schemas.microsoft.com/office/powerpoint/2010/main" val="1966399335"/>
+        <p14:creationId xmlns:p14="http://schemas.microsoft.com/office/powerpoint/2010/main" val="726200515"/>
       </p:ext>
     </p:extLst>
   </p:cSld>
@@ -4886,7 +4739,7 @@
           <p:nvPr>
             <p:extLst>
               <p:ext uri="{386F3935-93C4-4BCD-93E2-E3B085C9AB24}">
-                <p16:designElem xmlns:p16="http://schemas.microsoft.com/office/powerpoint/2015/main" val="1"/>
+                <p16:designElem xmlns:p16="http://schemas.microsoft.com/office/powerpoint/2015/main" xmlns="" val="1"/>
               </p:ext>
             </p:extLst>
           </p:nvPr>
@@ -4937,7 +4790,7 @@
           <p:nvPr>
             <p:extLst>
               <p:ext uri="{386F3935-93C4-4BCD-93E2-E3B085C9AB24}">
-                <p16:designElem xmlns:p16="http://schemas.microsoft.com/office/powerpoint/2015/main" val="1"/>
+                <p16:designElem xmlns:p16="http://schemas.microsoft.com/office/powerpoint/2015/main" xmlns="" val="1"/>
               </p:ext>
             </p:extLst>
           </p:nvPr>
@@ -4983,7 +4836,794 @@
           <p:nvPr>
             <p:extLst>
               <p:ext uri="{386F3935-93C4-4BCD-93E2-E3B085C9AB24}">
-                <p16:designElem xmlns:p16="http://schemas.microsoft.com/office/powerpoint/2015/main" val="1"/>
+                <p16:designElem xmlns:p16="http://schemas.microsoft.com/office/powerpoint/2015/main" xmlns="" val="1"/>
+              </p:ext>
+            </p:extLst>
+          </p:nvPr>
+        </p:nvSpPr>
+        <p:spPr>
+          <a:xfrm>
+            <a:off x="4040071" y="0"/>
+            <a:ext cx="64008" cy="6858000"/>
+          </a:xfrm>
+          <a:prstGeom prst="rect">
+            <a:avLst/>
+          </a:prstGeom>
+          <a:solidFill>
+            <a:schemeClr val="accent1"/>
+          </a:solidFill>
+          <a:ln>
+            <a:noFill/>
+          </a:ln>
+        </p:spPr>
+        <p:style>
+          <a:lnRef idx="2">
+            <a:schemeClr val="accent1">
+              <a:shade val="50000"/>
+            </a:schemeClr>
+          </a:lnRef>
+          <a:fillRef idx="1">
+            <a:schemeClr val="accent1"/>
+          </a:fillRef>
+          <a:effectRef idx="0">
+            <a:schemeClr val="accent1"/>
+          </a:effectRef>
+          <a:fontRef idx="minor">
+            <a:schemeClr val="lt1"/>
+          </a:fontRef>
+        </p:style>
+      </p:sp>
+      <p:sp>
+        <p:nvSpPr>
+          <p:cNvPr id="2" name="Title 1"/>
+          <p:cNvSpPr>
+            <a:spLocks noGrp="1"/>
+          </p:cNvSpPr>
+          <p:nvPr>
+            <p:ph type="title"/>
+          </p:nvPr>
+        </p:nvSpPr>
+        <p:spPr>
+          <a:xfrm>
+            <a:off x="492370" y="516835"/>
+            <a:ext cx="3084844" cy="2103875"/>
+          </a:xfrm>
+        </p:spPr>
+        <p:txBody>
+          <a:bodyPr>
+            <a:normAutofit/>
+          </a:bodyPr>
+          <a:lstStyle/>
+          <a:p>
+            <a:r>
+              <a:rPr lang="en-US" altLang="zh-CN" sz="3600" dirty="0">
+                <a:solidFill>
+                  <a:srgbClr val="FFFFFF"/>
+                </a:solidFill>
+              </a:rPr>
+              <a:t>Sprint Tasks</a:t>
+            </a:r>
+            <a:endParaRPr lang="en-US" sz="3600" dirty="0">
+              <a:solidFill>
+                <a:srgbClr val="FFFFFF"/>
+              </a:solidFill>
+            </a:endParaRPr>
+          </a:p>
+        </p:txBody>
+      </p:sp>
+      <p:sp>
+        <p:nvSpPr>
+          <p:cNvPr id="3" name="Content Placeholder 2"/>
+          <p:cNvSpPr>
+            <a:spLocks noGrp="1"/>
+          </p:cNvSpPr>
+          <p:nvPr>
+            <p:ph idx="1"/>
+          </p:nvPr>
+        </p:nvSpPr>
+        <p:spPr>
+          <a:xfrm>
+            <a:off x="492371" y="2653800"/>
+            <a:ext cx="3084844" cy="3335519"/>
+          </a:xfrm>
+        </p:spPr>
+        <p:txBody>
+          <a:bodyPr>
+            <a:normAutofit/>
+          </a:bodyPr>
+          <a:lstStyle/>
+          <a:p>
+            <a:pPr marL="91440" lvl="1" indent="-91440">
+              <a:spcBef>
+                <a:spcPts val="1200"/>
+              </a:spcBef>
+              <a:spcAft>
+                <a:spcPts val="200"/>
+              </a:spcAft>
+              <a:buSzPct val="100000"/>
+              <a:buFont typeface="Calibri" panose="020F0502020204030204" pitchFamily="34" charset="0"/>
+              <a:buChar char=" "/>
+            </a:pPr>
+            <a:r>
+              <a:rPr lang="en-US" sz="2400" dirty="0"/>
+              <a:t>Load environment file </a:t>
+            </a:r>
+          </a:p>
+          <a:p>
+            <a:endParaRPr lang="en-US" sz="1600" dirty="0">
+              <a:solidFill>
+                <a:srgbClr val="FFFFFF"/>
+              </a:solidFill>
+            </a:endParaRPr>
+          </a:p>
+          <a:p>
+            <a:endParaRPr lang="en-US" sz="1500" dirty="0">
+              <a:solidFill>
+                <a:srgbClr val="FFFFFF"/>
+              </a:solidFill>
+            </a:endParaRPr>
+          </a:p>
+        </p:txBody>
+      </p:sp>
+    </p:spTree>
+    <p:extLst>
+      <p:ext uri="{BB962C8B-B14F-4D97-AF65-F5344CB8AC3E}">
+        <p14:creationId xmlns:p14="http://schemas.microsoft.com/office/powerpoint/2010/main" val="1966399335"/>
+      </p:ext>
+    </p:extLst>
+  </p:cSld>
+  <p:clrMapOvr>
+    <a:masterClrMapping/>
+  </p:clrMapOvr>
+</p:sld>
+</file>
+
+<file path=ppt/slides/slide6.xml><?xml version="1.0" encoding="utf-8"?>
+<p:sld xmlns:a="http://schemas.openxmlformats.org/drawingml/2006/main" xmlns:r="http://schemas.openxmlformats.org/officeDocument/2006/relationships" xmlns:p="http://schemas.openxmlformats.org/presentationml/2006/main">
+  <p:cSld>
+    <p:spTree>
+      <p:nvGrpSpPr>
+        <p:cNvPr id="1" name=""/>
+        <p:cNvGrpSpPr/>
+        <p:nvPr/>
+      </p:nvGrpSpPr>
+      <p:grpSpPr>
+        <a:xfrm>
+          <a:off x="0" y="0"/>
+          <a:ext cx="0" cy="0"/>
+          <a:chOff x="0" y="0"/>
+          <a:chExt cx="0" cy="0"/>
+        </a:xfrm>
+      </p:grpSpPr>
+      <p:sp useBgFill="1">
+        <p:nvSpPr>
+          <p:cNvPr id="16" name="Rectangle 15"/>
+          <p:cNvSpPr>
+            <a:spLocks noGrp="1" noRot="1" noChangeAspect="1" noMove="1" noResize="1" noEditPoints="1" noAdjustHandles="1" noChangeArrowheads="1" noChangeShapeType="1" noTextEdit="1"/>
+          </p:cNvSpPr>
+          <p:nvPr>
+            <p:extLst>
+              <p:ext uri="{386F3935-93C4-4BCD-93E2-E3B085C9AB24}">
+                <p16:designElem xmlns:p16="http://schemas.microsoft.com/office/powerpoint/2015/main" xmlns="" val="1"/>
+              </p:ext>
+            </p:extLst>
+          </p:nvPr>
+        </p:nvSpPr>
+        <p:spPr>
+          <a:xfrm>
+            <a:off x="0" y="0"/>
+            <a:ext cx="12186315" cy="6858000"/>
+          </a:xfrm>
+          <a:prstGeom prst="rect">
+            <a:avLst/>
+          </a:prstGeom>
+          <a:ln>
+            <a:noFill/>
+          </a:ln>
+        </p:spPr>
+        <p:style>
+          <a:lnRef idx="2">
+            <a:schemeClr val="accent6">
+              <a:shade val="50000"/>
+            </a:schemeClr>
+          </a:lnRef>
+          <a:fillRef idx="1001">
+            <a:schemeClr val="lt1"/>
+          </a:fillRef>
+          <a:effectRef idx="0">
+            <a:schemeClr val="accent6"/>
+          </a:effectRef>
+          <a:fontRef idx="minor">
+            <a:schemeClr val="lt1"/>
+          </a:fontRef>
+        </p:style>
+        <p:txBody>
+          <a:bodyPr rtlCol="0" anchor="ctr"/>
+          <a:lstStyle/>
+          <a:p>
+            <a:pPr algn="ctr"/>
+            <a:endParaRPr lang="en-US"/>
+          </a:p>
+        </p:txBody>
+      </p:sp>
+      <p:sp>
+        <p:nvSpPr>
+          <p:cNvPr id="18" name="Rectangle 17"/>
+          <p:cNvSpPr>
+            <a:spLocks noGrp="1" noRot="1" noChangeAspect="1" noMove="1" noResize="1" noEditPoints="1" noAdjustHandles="1" noChangeArrowheads="1" noChangeShapeType="1" noTextEdit="1"/>
+          </p:cNvSpPr>
+          <p:nvPr>
+            <p:extLst>
+              <p:ext uri="{386F3935-93C4-4BCD-93E2-E3B085C9AB24}">
+                <p16:designElem xmlns:p16="http://schemas.microsoft.com/office/powerpoint/2015/main" xmlns="" val="1"/>
+              </p:ext>
+            </p:extLst>
+          </p:nvPr>
+        </p:nvSpPr>
+        <p:spPr>
+          <a:xfrm>
+            <a:off x="16" y="0"/>
+            <a:ext cx="4050791" cy="6858000"/>
+          </a:xfrm>
+          <a:prstGeom prst="rect">
+            <a:avLst/>
+          </a:prstGeom>
+          <a:solidFill>
+            <a:schemeClr val="accent2"/>
+          </a:solidFill>
+          <a:ln>
+            <a:noFill/>
+          </a:ln>
+        </p:spPr>
+        <p:style>
+          <a:lnRef idx="2">
+            <a:schemeClr val="accent1">
+              <a:shade val="50000"/>
+            </a:schemeClr>
+          </a:lnRef>
+          <a:fillRef idx="1">
+            <a:schemeClr val="accent1"/>
+          </a:fillRef>
+          <a:effectRef idx="0">
+            <a:schemeClr val="accent1"/>
+          </a:effectRef>
+          <a:fontRef idx="minor">
+            <a:schemeClr val="lt1"/>
+          </a:fontRef>
+        </p:style>
+      </p:sp>
+      <p:sp>
+        <p:nvSpPr>
+          <p:cNvPr id="20" name="Rectangle 19"/>
+          <p:cNvSpPr>
+            <a:spLocks noGrp="1" noRot="1" noChangeAspect="1" noMove="1" noResize="1" noEditPoints="1" noAdjustHandles="1" noChangeArrowheads="1" noChangeShapeType="1" noTextEdit="1"/>
+          </p:cNvSpPr>
+          <p:nvPr>
+            <p:extLst>
+              <p:ext uri="{386F3935-93C4-4BCD-93E2-E3B085C9AB24}">
+                <p16:designElem xmlns:p16="http://schemas.microsoft.com/office/powerpoint/2015/main" xmlns="" val="1"/>
+              </p:ext>
+            </p:extLst>
+          </p:nvPr>
+        </p:nvSpPr>
+        <p:spPr>
+          <a:xfrm>
+            <a:off x="4040071" y="0"/>
+            <a:ext cx="64008" cy="6858000"/>
+          </a:xfrm>
+          <a:prstGeom prst="rect">
+            <a:avLst/>
+          </a:prstGeom>
+          <a:solidFill>
+            <a:schemeClr val="accent1"/>
+          </a:solidFill>
+          <a:ln>
+            <a:noFill/>
+          </a:ln>
+        </p:spPr>
+        <p:style>
+          <a:lnRef idx="2">
+            <a:schemeClr val="accent1">
+              <a:shade val="50000"/>
+            </a:schemeClr>
+          </a:lnRef>
+          <a:fillRef idx="1">
+            <a:schemeClr val="accent1"/>
+          </a:fillRef>
+          <a:effectRef idx="0">
+            <a:schemeClr val="accent1"/>
+          </a:effectRef>
+          <a:fontRef idx="minor">
+            <a:schemeClr val="lt1"/>
+          </a:fontRef>
+        </p:style>
+      </p:sp>
+      <p:sp>
+        <p:nvSpPr>
+          <p:cNvPr id="2" name="Title 1"/>
+          <p:cNvSpPr>
+            <a:spLocks noGrp="1"/>
+          </p:cNvSpPr>
+          <p:nvPr>
+            <p:ph type="title"/>
+          </p:nvPr>
+        </p:nvSpPr>
+        <p:spPr>
+          <a:xfrm>
+            <a:off x="492370" y="516835"/>
+            <a:ext cx="3084844" cy="2103875"/>
+          </a:xfrm>
+        </p:spPr>
+        <p:txBody>
+          <a:bodyPr>
+            <a:normAutofit/>
+          </a:bodyPr>
+          <a:lstStyle/>
+          <a:p>
+            <a:r>
+              <a:rPr lang="en-US" altLang="zh-CN" sz="3600" dirty="0">
+                <a:solidFill>
+                  <a:srgbClr val="FFFFFF"/>
+                </a:solidFill>
+              </a:rPr>
+              <a:t>Sprint Tasks</a:t>
+            </a:r>
+            <a:endParaRPr lang="en-US" sz="3600" dirty="0">
+              <a:solidFill>
+                <a:srgbClr val="FFFFFF"/>
+              </a:solidFill>
+            </a:endParaRPr>
+          </a:p>
+        </p:txBody>
+      </p:sp>
+      <p:sp>
+        <p:nvSpPr>
+          <p:cNvPr id="3" name="Content Placeholder 2"/>
+          <p:cNvSpPr>
+            <a:spLocks noGrp="1"/>
+          </p:cNvSpPr>
+          <p:nvPr>
+            <p:ph idx="1"/>
+          </p:nvPr>
+        </p:nvSpPr>
+        <p:spPr>
+          <a:xfrm>
+            <a:off x="492371" y="2653800"/>
+            <a:ext cx="3084844" cy="3335519"/>
+          </a:xfrm>
+        </p:spPr>
+        <p:txBody>
+          <a:bodyPr>
+            <a:normAutofit/>
+          </a:bodyPr>
+          <a:lstStyle/>
+          <a:p>
+            <a:pPr marL="201168" lvl="1" indent="0">
+              <a:buNone/>
+            </a:pPr>
+            <a:r>
+              <a:rPr lang="en-US" sz="2400" dirty="0"/>
+              <a:t>Filter historical runs of the algorithm </a:t>
+            </a:r>
+          </a:p>
+          <a:p>
+            <a:endParaRPr lang="en-US" sz="1600" dirty="0">
+              <a:solidFill>
+                <a:srgbClr val="FFFFFF"/>
+              </a:solidFill>
+            </a:endParaRPr>
+          </a:p>
+          <a:p>
+            <a:endParaRPr lang="en-US" sz="1500" dirty="0">
+              <a:solidFill>
+                <a:srgbClr val="FFFFFF"/>
+              </a:solidFill>
+            </a:endParaRPr>
+          </a:p>
+        </p:txBody>
+      </p:sp>
+    </p:spTree>
+    <p:extLst>
+      <p:ext uri="{BB962C8B-B14F-4D97-AF65-F5344CB8AC3E}">
+        <p14:creationId xmlns:p14="http://schemas.microsoft.com/office/powerpoint/2010/main" val="1387573588"/>
+      </p:ext>
+    </p:extLst>
+  </p:cSld>
+  <p:clrMapOvr>
+    <a:masterClrMapping/>
+  </p:clrMapOvr>
+</p:sld>
+</file>
+
+<file path=ppt/slides/slide7.xml><?xml version="1.0" encoding="utf-8"?>
+<p:sld xmlns:a="http://schemas.openxmlformats.org/drawingml/2006/main" xmlns:r="http://schemas.openxmlformats.org/officeDocument/2006/relationships" xmlns:p="http://schemas.openxmlformats.org/presentationml/2006/main">
+  <p:cSld>
+    <p:spTree>
+      <p:nvGrpSpPr>
+        <p:cNvPr id="1" name=""/>
+        <p:cNvGrpSpPr/>
+        <p:nvPr/>
+      </p:nvGrpSpPr>
+      <p:grpSpPr>
+        <a:xfrm>
+          <a:off x="0" y="0"/>
+          <a:ext cx="0" cy="0"/>
+          <a:chOff x="0" y="0"/>
+          <a:chExt cx="0" cy="0"/>
+        </a:xfrm>
+      </p:grpSpPr>
+      <p:sp useBgFill="1">
+        <p:nvSpPr>
+          <p:cNvPr id="16" name="Rectangle 15"/>
+          <p:cNvSpPr>
+            <a:spLocks noGrp="1" noRot="1" noChangeAspect="1" noMove="1" noResize="1" noEditPoints="1" noAdjustHandles="1" noChangeArrowheads="1" noChangeShapeType="1" noTextEdit="1"/>
+          </p:cNvSpPr>
+          <p:nvPr>
+            <p:extLst>
+              <p:ext uri="{386F3935-93C4-4BCD-93E2-E3B085C9AB24}">
+                <p16:designElem xmlns:p16="http://schemas.microsoft.com/office/powerpoint/2015/main" xmlns="" val="1"/>
+              </p:ext>
+            </p:extLst>
+          </p:nvPr>
+        </p:nvSpPr>
+        <p:spPr>
+          <a:xfrm>
+            <a:off x="0" y="0"/>
+            <a:ext cx="12186315" cy="6858000"/>
+          </a:xfrm>
+          <a:prstGeom prst="rect">
+            <a:avLst/>
+          </a:prstGeom>
+          <a:ln>
+            <a:noFill/>
+          </a:ln>
+        </p:spPr>
+        <p:style>
+          <a:lnRef idx="2">
+            <a:schemeClr val="accent6">
+              <a:shade val="50000"/>
+            </a:schemeClr>
+          </a:lnRef>
+          <a:fillRef idx="1001">
+            <a:schemeClr val="lt1"/>
+          </a:fillRef>
+          <a:effectRef idx="0">
+            <a:schemeClr val="accent6"/>
+          </a:effectRef>
+          <a:fontRef idx="minor">
+            <a:schemeClr val="lt1"/>
+          </a:fontRef>
+        </p:style>
+        <p:txBody>
+          <a:bodyPr rtlCol="0" anchor="ctr"/>
+          <a:lstStyle/>
+          <a:p>
+            <a:pPr algn="ctr"/>
+            <a:endParaRPr lang="en-US"/>
+          </a:p>
+        </p:txBody>
+      </p:sp>
+      <p:sp>
+        <p:nvSpPr>
+          <p:cNvPr id="18" name="Rectangle 17"/>
+          <p:cNvSpPr>
+            <a:spLocks noGrp="1" noRot="1" noChangeAspect="1" noMove="1" noResize="1" noEditPoints="1" noAdjustHandles="1" noChangeArrowheads="1" noChangeShapeType="1" noTextEdit="1"/>
+          </p:cNvSpPr>
+          <p:nvPr>
+            <p:extLst>
+              <p:ext uri="{386F3935-93C4-4BCD-93E2-E3B085C9AB24}">
+                <p16:designElem xmlns:p16="http://schemas.microsoft.com/office/powerpoint/2015/main" xmlns="" val="1"/>
+              </p:ext>
+            </p:extLst>
+          </p:nvPr>
+        </p:nvSpPr>
+        <p:spPr>
+          <a:xfrm>
+            <a:off x="16" y="0"/>
+            <a:ext cx="4050791" cy="6858000"/>
+          </a:xfrm>
+          <a:prstGeom prst="rect">
+            <a:avLst/>
+          </a:prstGeom>
+          <a:solidFill>
+            <a:schemeClr val="accent2"/>
+          </a:solidFill>
+          <a:ln>
+            <a:noFill/>
+          </a:ln>
+        </p:spPr>
+        <p:style>
+          <a:lnRef idx="2">
+            <a:schemeClr val="accent1">
+              <a:shade val="50000"/>
+            </a:schemeClr>
+          </a:lnRef>
+          <a:fillRef idx="1">
+            <a:schemeClr val="accent1"/>
+          </a:fillRef>
+          <a:effectRef idx="0">
+            <a:schemeClr val="accent1"/>
+          </a:effectRef>
+          <a:fontRef idx="minor">
+            <a:schemeClr val="lt1"/>
+          </a:fontRef>
+        </p:style>
+      </p:sp>
+      <p:sp>
+        <p:nvSpPr>
+          <p:cNvPr id="20" name="Rectangle 19"/>
+          <p:cNvSpPr>
+            <a:spLocks noGrp="1" noRot="1" noChangeAspect="1" noMove="1" noResize="1" noEditPoints="1" noAdjustHandles="1" noChangeArrowheads="1" noChangeShapeType="1" noTextEdit="1"/>
+          </p:cNvSpPr>
+          <p:nvPr>
+            <p:extLst>
+              <p:ext uri="{386F3935-93C4-4BCD-93E2-E3B085C9AB24}">
+                <p16:designElem xmlns:p16="http://schemas.microsoft.com/office/powerpoint/2015/main" xmlns="" val="1"/>
+              </p:ext>
+            </p:extLst>
+          </p:nvPr>
+        </p:nvSpPr>
+        <p:spPr>
+          <a:xfrm>
+            <a:off x="4040071" y="0"/>
+            <a:ext cx="64008" cy="6858000"/>
+          </a:xfrm>
+          <a:prstGeom prst="rect">
+            <a:avLst/>
+          </a:prstGeom>
+          <a:solidFill>
+            <a:schemeClr val="accent1"/>
+          </a:solidFill>
+          <a:ln>
+            <a:noFill/>
+          </a:ln>
+        </p:spPr>
+        <p:style>
+          <a:lnRef idx="2">
+            <a:schemeClr val="accent1">
+              <a:shade val="50000"/>
+            </a:schemeClr>
+          </a:lnRef>
+          <a:fillRef idx="1">
+            <a:schemeClr val="accent1"/>
+          </a:fillRef>
+          <a:effectRef idx="0">
+            <a:schemeClr val="accent1"/>
+          </a:effectRef>
+          <a:fontRef idx="minor">
+            <a:schemeClr val="lt1"/>
+          </a:fontRef>
+        </p:style>
+      </p:sp>
+      <p:sp>
+        <p:nvSpPr>
+          <p:cNvPr id="2" name="Title 1"/>
+          <p:cNvSpPr>
+            <a:spLocks noGrp="1"/>
+          </p:cNvSpPr>
+          <p:nvPr>
+            <p:ph type="title"/>
+          </p:nvPr>
+        </p:nvSpPr>
+        <p:spPr>
+          <a:xfrm>
+            <a:off x="492370" y="516835"/>
+            <a:ext cx="3084844" cy="2103875"/>
+          </a:xfrm>
+        </p:spPr>
+        <p:txBody>
+          <a:bodyPr>
+            <a:normAutofit/>
+          </a:bodyPr>
+          <a:lstStyle/>
+          <a:p>
+            <a:r>
+              <a:rPr lang="en-US" altLang="zh-CN" sz="3600" dirty="0">
+                <a:solidFill>
+                  <a:srgbClr val="FFFFFF"/>
+                </a:solidFill>
+              </a:rPr>
+              <a:t>Sprint Tasks</a:t>
+            </a:r>
+            <a:endParaRPr lang="en-US" sz="3600" dirty="0">
+              <a:solidFill>
+                <a:srgbClr val="FFFFFF"/>
+              </a:solidFill>
+            </a:endParaRPr>
+          </a:p>
+        </p:txBody>
+      </p:sp>
+      <p:sp>
+        <p:nvSpPr>
+          <p:cNvPr id="3" name="Content Placeholder 2"/>
+          <p:cNvSpPr>
+            <a:spLocks noGrp="1"/>
+          </p:cNvSpPr>
+          <p:nvPr>
+            <p:ph idx="1"/>
+          </p:nvPr>
+        </p:nvSpPr>
+        <p:spPr>
+          <a:xfrm>
+            <a:off x="492371" y="2653800"/>
+            <a:ext cx="3084844" cy="3335519"/>
+          </a:xfrm>
+        </p:spPr>
+        <p:txBody>
+          <a:bodyPr>
+            <a:normAutofit/>
+          </a:bodyPr>
+          <a:lstStyle/>
+          <a:p>
+            <a:pPr marL="91440" lvl="1" indent="-91440">
+              <a:spcBef>
+                <a:spcPts val="1200"/>
+              </a:spcBef>
+              <a:spcAft>
+                <a:spcPts val="200"/>
+              </a:spcAft>
+              <a:buSzPct val="100000"/>
+              <a:buFont typeface="Calibri" panose="020F0502020204030204" pitchFamily="34" charset="0"/>
+              <a:buChar char=" "/>
+            </a:pPr>
+            <a:r>
+              <a:rPr lang="en-US" sz="2400" dirty="0"/>
+              <a:t>View the target list in Graph view </a:t>
+            </a:r>
+          </a:p>
+          <a:p>
+            <a:endParaRPr lang="en-US" sz="1600" dirty="0">
+              <a:solidFill>
+                <a:srgbClr val="FFFFFF"/>
+              </a:solidFill>
+            </a:endParaRPr>
+          </a:p>
+          <a:p>
+            <a:endParaRPr lang="en-US" sz="1500" dirty="0">
+              <a:solidFill>
+                <a:srgbClr val="FFFFFF"/>
+              </a:solidFill>
+            </a:endParaRPr>
+          </a:p>
+        </p:txBody>
+      </p:sp>
+    </p:spTree>
+    <p:extLst>
+      <p:ext uri="{BB962C8B-B14F-4D97-AF65-F5344CB8AC3E}">
+        <p14:creationId xmlns:p14="http://schemas.microsoft.com/office/powerpoint/2010/main" val="867882076"/>
+      </p:ext>
+    </p:extLst>
+  </p:cSld>
+  <p:clrMapOvr>
+    <a:masterClrMapping/>
+  </p:clrMapOvr>
+</p:sld>
+</file>
+
+<file path=ppt/slides/slide8.xml><?xml version="1.0" encoding="utf-8"?>
+<p:sld xmlns:a="http://schemas.openxmlformats.org/drawingml/2006/main" xmlns:r="http://schemas.openxmlformats.org/officeDocument/2006/relationships" xmlns:p="http://schemas.openxmlformats.org/presentationml/2006/main">
+  <p:cSld>
+    <p:spTree>
+      <p:nvGrpSpPr>
+        <p:cNvPr id="1" name=""/>
+        <p:cNvGrpSpPr/>
+        <p:nvPr/>
+      </p:nvGrpSpPr>
+      <p:grpSpPr>
+        <a:xfrm>
+          <a:off x="0" y="0"/>
+          <a:ext cx="0" cy="0"/>
+          <a:chOff x="0" y="0"/>
+          <a:chExt cx="0" cy="0"/>
+        </a:xfrm>
+      </p:grpSpPr>
+      <p:sp useBgFill="1">
+        <p:nvSpPr>
+          <p:cNvPr id="16" name="Rectangle 15"/>
+          <p:cNvSpPr>
+            <a:spLocks noGrp="1" noRot="1" noChangeAspect="1" noMove="1" noResize="1" noEditPoints="1" noAdjustHandles="1" noChangeArrowheads="1" noChangeShapeType="1" noTextEdit="1"/>
+          </p:cNvSpPr>
+          <p:nvPr>
+            <p:extLst>
+              <p:ext uri="{386F3935-93C4-4BCD-93E2-E3B085C9AB24}">
+                <p16:designElem xmlns:p16="http://schemas.microsoft.com/office/powerpoint/2015/main" xmlns="" val="1"/>
+              </p:ext>
+            </p:extLst>
+          </p:nvPr>
+        </p:nvSpPr>
+        <p:spPr>
+          <a:xfrm>
+            <a:off x="0" y="0"/>
+            <a:ext cx="12186315" cy="6858000"/>
+          </a:xfrm>
+          <a:prstGeom prst="rect">
+            <a:avLst/>
+          </a:prstGeom>
+          <a:ln>
+            <a:noFill/>
+          </a:ln>
+        </p:spPr>
+        <p:style>
+          <a:lnRef idx="2">
+            <a:schemeClr val="accent6">
+              <a:shade val="50000"/>
+            </a:schemeClr>
+          </a:lnRef>
+          <a:fillRef idx="1001">
+            <a:schemeClr val="lt1"/>
+          </a:fillRef>
+          <a:effectRef idx="0">
+            <a:schemeClr val="accent6"/>
+          </a:effectRef>
+          <a:fontRef idx="minor">
+            <a:schemeClr val="lt1"/>
+          </a:fontRef>
+        </p:style>
+        <p:txBody>
+          <a:bodyPr rtlCol="0" anchor="ctr"/>
+          <a:lstStyle/>
+          <a:p>
+            <a:pPr algn="ctr"/>
+            <a:endParaRPr lang="en-US"/>
+          </a:p>
+        </p:txBody>
+      </p:sp>
+      <p:sp>
+        <p:nvSpPr>
+          <p:cNvPr id="18" name="Rectangle 17"/>
+          <p:cNvSpPr>
+            <a:spLocks noGrp="1" noRot="1" noChangeAspect="1" noMove="1" noResize="1" noEditPoints="1" noAdjustHandles="1" noChangeArrowheads="1" noChangeShapeType="1" noTextEdit="1"/>
+          </p:cNvSpPr>
+          <p:nvPr>
+            <p:extLst>
+              <p:ext uri="{386F3935-93C4-4BCD-93E2-E3B085C9AB24}">
+                <p16:designElem xmlns:p16="http://schemas.microsoft.com/office/powerpoint/2015/main" xmlns="" val="1"/>
+              </p:ext>
+            </p:extLst>
+          </p:nvPr>
+        </p:nvSpPr>
+        <p:spPr>
+          <a:xfrm>
+            <a:off x="16" y="0"/>
+            <a:ext cx="4050791" cy="6858000"/>
+          </a:xfrm>
+          <a:prstGeom prst="rect">
+            <a:avLst/>
+          </a:prstGeom>
+          <a:solidFill>
+            <a:schemeClr val="accent2"/>
+          </a:solidFill>
+          <a:ln>
+            <a:noFill/>
+          </a:ln>
+        </p:spPr>
+        <p:style>
+          <a:lnRef idx="2">
+            <a:schemeClr val="accent1">
+              <a:shade val="50000"/>
+            </a:schemeClr>
+          </a:lnRef>
+          <a:fillRef idx="1">
+            <a:schemeClr val="accent1"/>
+          </a:fillRef>
+          <a:effectRef idx="0">
+            <a:schemeClr val="accent1"/>
+          </a:effectRef>
+          <a:fontRef idx="minor">
+            <a:schemeClr val="lt1"/>
+          </a:fontRef>
+        </p:style>
+      </p:sp>
+      <p:sp>
+        <p:nvSpPr>
+          <p:cNvPr id="20" name="Rectangle 19"/>
+          <p:cNvSpPr>
+            <a:spLocks noGrp="1" noRot="1" noChangeAspect="1" noMove="1" noResize="1" noEditPoints="1" noAdjustHandles="1" noChangeArrowheads="1" noChangeShapeType="1" noTextEdit="1"/>
+          </p:cNvSpPr>
+          <p:nvPr>
+            <p:extLst>
+              <p:ext uri="{386F3935-93C4-4BCD-93E2-E3B085C9AB24}">
+                <p16:designElem xmlns:p16="http://schemas.microsoft.com/office/powerpoint/2015/main" xmlns="" val="1"/>
               </p:ext>
             </p:extLst>
           </p:nvPr>

--- a/documents/set5/Presentation5.pptx
+++ b/documents/set5/Presentation5.pptx
@@ -5,7 +5,7 @@
     <p:sldMasterId id="2147483780" r:id="rId1"/>
   </p:sldMasterIdLst>
   <p:notesMasterIdLst>
-    <p:notesMasterId r:id="rId10"/>
+    <p:notesMasterId r:id="rId12"/>
   </p:notesMasterIdLst>
   <p:sldIdLst>
     <p:sldId id="256" r:id="rId2"/>
@@ -16,6 +16,8 @@
     <p:sldId id="273" r:id="rId7"/>
     <p:sldId id="272" r:id="rId8"/>
     <p:sldId id="269" r:id="rId9"/>
+    <p:sldId id="274" r:id="rId10"/>
+    <p:sldId id="275" r:id="rId11"/>
   </p:sldIdLst>
   <p:sldSz cx="12192000" cy="6858000"/>
   <p:notesSz cx="6858000" cy="9144000"/>
@@ -204,7 +206,7 @@
           <a:p>
             <a:fld id="{C0AED64A-89A2-1845-94B4-78B0A7881D57}" type="datetimeFigureOut">
               <a:rPr lang="en-US" smtClean="0"/>
-              <a:t>4/10/17</a:t>
+              <a:t>4/11/17</a:t>
             </a:fld>
             <a:endParaRPr lang="en-US"/>
           </a:p>
@@ -698,7 +700,7 @@
           <a:p>
             <a:fld id="{963A6DA3-65F6-4E49-B61A-8E754A74EAC1}" type="datetimeFigureOut">
               <a:rPr lang="en-US" smtClean="0"/>
-              <a:t>4/10/17</a:t>
+              <a:t>4/11/17</a:t>
             </a:fld>
             <a:endParaRPr lang="en-US"/>
           </a:p>
@@ -901,7 +903,7 @@
           <a:p>
             <a:fld id="{963A6DA3-65F6-4E49-B61A-8E754A74EAC1}" type="datetimeFigureOut">
               <a:rPr lang="en-US" smtClean="0"/>
-              <a:t>4/10/17</a:t>
+              <a:t>4/11/17</a:t>
             </a:fld>
             <a:endParaRPr lang="en-US"/>
           </a:p>
@@ -1152,7 +1154,7 @@
           <a:p>
             <a:fld id="{963A6DA3-65F6-4E49-B61A-8E754A74EAC1}" type="datetimeFigureOut">
               <a:rPr lang="en-US" smtClean="0"/>
-              <a:t>4/10/17</a:t>
+              <a:t>4/11/17</a:t>
             </a:fld>
             <a:endParaRPr lang="en-US"/>
           </a:p>
@@ -1321,7 +1323,7 @@
           <a:p>
             <a:fld id="{963A6DA3-65F6-4E49-B61A-8E754A74EAC1}" type="datetimeFigureOut">
               <a:rPr lang="en-US" smtClean="0"/>
-              <a:t>4/10/17</a:t>
+              <a:t>4/11/17</a:t>
             </a:fld>
             <a:endParaRPr lang="en-US"/>
           </a:p>
@@ -1659,7 +1661,7 @@
           <a:p>
             <a:fld id="{963A6DA3-65F6-4E49-B61A-8E754A74EAC1}" type="datetimeFigureOut">
               <a:rPr lang="en-US" smtClean="0"/>
-              <a:t>4/10/17</a:t>
+              <a:t>4/11/17</a:t>
             </a:fld>
             <a:endParaRPr lang="en-US"/>
           </a:p>
@@ -1929,7 +1931,7 @@
           <a:p>
             <a:fld id="{963A6DA3-65F6-4E49-B61A-8E754A74EAC1}" type="datetimeFigureOut">
               <a:rPr lang="en-US" smtClean="0"/>
-              <a:t>4/10/17</a:t>
+              <a:t>4/11/17</a:t>
             </a:fld>
             <a:endParaRPr lang="en-US"/>
           </a:p>
@@ -2303,7 +2305,7 @@
           <a:p>
             <a:fld id="{963A6DA3-65F6-4E49-B61A-8E754A74EAC1}" type="datetimeFigureOut">
               <a:rPr lang="en-US" smtClean="0"/>
-              <a:t>4/10/17</a:t>
+              <a:t>4/11/17</a:t>
             </a:fld>
             <a:endParaRPr lang="en-US"/>
           </a:p>
@@ -2416,7 +2418,7 @@
           <a:p>
             <a:fld id="{963A6DA3-65F6-4E49-B61A-8E754A74EAC1}" type="datetimeFigureOut">
               <a:rPr lang="en-US" smtClean="0"/>
-              <a:t>4/10/17</a:t>
+              <a:t>4/11/17</a:t>
             </a:fld>
             <a:endParaRPr lang="en-US"/>
           </a:p>
@@ -2582,7 +2584,7 @@
           <a:p>
             <a:fld id="{963A6DA3-65F6-4E49-B61A-8E754A74EAC1}" type="datetimeFigureOut">
               <a:rPr lang="en-US" smtClean="0"/>
-              <a:t>4/10/17</a:t>
+              <a:t>4/11/17</a:t>
             </a:fld>
             <a:endParaRPr lang="en-US"/>
           </a:p>
@@ -2931,7 +2933,7 @@
           <a:p>
             <a:fld id="{963A6DA3-65F6-4E49-B61A-8E754A74EAC1}" type="datetimeFigureOut">
               <a:rPr lang="en-US" smtClean="0"/>
-              <a:t>4/10/17</a:t>
+              <a:t>4/11/17</a:t>
             </a:fld>
             <a:endParaRPr lang="en-US"/>
           </a:p>
@@ -3305,7 +3307,7 @@
           <a:p>
             <a:fld id="{963A6DA3-65F6-4E49-B61A-8E754A74EAC1}" type="datetimeFigureOut">
               <a:rPr lang="en-US" smtClean="0"/>
-              <a:t>4/10/17</a:t>
+              <a:t>4/11/17</a:t>
             </a:fld>
             <a:endParaRPr lang="en-US"/>
           </a:p>
@@ -3592,7 +3594,7 @@
           <a:p>
             <a:fld id="{963A6DA3-65F6-4E49-B61A-8E754A74EAC1}" type="datetimeFigureOut">
               <a:rPr lang="en-US" smtClean="0"/>
-              <a:t>4/10/17</a:t>
+              <a:t>4/11/17</a:t>
             </a:fld>
             <a:endParaRPr lang="en-US"/>
           </a:p>
@@ -4203,6 +4205,326 @@
 </p:sld>
 </file>
 
+<file path=ppt/slides/slide10.xml><?xml version="1.0" encoding="utf-8"?>
+<p:sld xmlns:a="http://schemas.openxmlformats.org/drawingml/2006/main" xmlns:r="http://schemas.openxmlformats.org/officeDocument/2006/relationships" xmlns:p="http://schemas.openxmlformats.org/presentationml/2006/main">
+  <p:cSld>
+    <p:spTree>
+      <p:nvGrpSpPr>
+        <p:cNvPr id="1" name=""/>
+        <p:cNvGrpSpPr/>
+        <p:nvPr/>
+      </p:nvGrpSpPr>
+      <p:grpSpPr>
+        <a:xfrm>
+          <a:off x="0" y="0"/>
+          <a:ext cx="0" cy="0"/>
+          <a:chOff x="0" y="0"/>
+          <a:chExt cx="0" cy="0"/>
+        </a:xfrm>
+      </p:grpSpPr>
+      <p:sp useBgFill="1">
+        <p:nvSpPr>
+          <p:cNvPr id="16" name="Rectangle 15"/>
+          <p:cNvSpPr>
+            <a:spLocks noGrp="1" noRot="1" noChangeAspect="1" noMove="1" noResize="1" noEditPoints="1" noAdjustHandles="1" noChangeArrowheads="1" noChangeShapeType="1" noTextEdit="1"/>
+          </p:cNvSpPr>
+          <p:nvPr>
+            <p:extLst>
+              <p:ext uri="{386F3935-93C4-4BCD-93E2-E3B085C9AB24}">
+                <p16:designElem xmlns="" xmlns:p16="http://schemas.microsoft.com/office/powerpoint/2015/main" val="1"/>
+              </p:ext>
+            </p:extLst>
+          </p:nvPr>
+        </p:nvSpPr>
+        <p:spPr>
+          <a:xfrm>
+            <a:off x="0" y="0"/>
+            <a:ext cx="12186315" cy="6858000"/>
+          </a:xfrm>
+          <a:prstGeom prst="rect">
+            <a:avLst/>
+          </a:prstGeom>
+          <a:ln>
+            <a:noFill/>
+          </a:ln>
+        </p:spPr>
+        <p:style>
+          <a:lnRef idx="2">
+            <a:schemeClr val="accent6">
+              <a:shade val="50000"/>
+            </a:schemeClr>
+          </a:lnRef>
+          <a:fillRef idx="1001">
+            <a:schemeClr val="lt1"/>
+          </a:fillRef>
+          <a:effectRef idx="0">
+            <a:schemeClr val="accent6"/>
+          </a:effectRef>
+          <a:fontRef idx="minor">
+            <a:schemeClr val="lt1"/>
+          </a:fontRef>
+        </p:style>
+        <p:txBody>
+          <a:bodyPr rtlCol="0" anchor="ctr"/>
+          <a:lstStyle/>
+          <a:p>
+            <a:pPr algn="ctr"/>
+            <a:endParaRPr lang="en-US"/>
+          </a:p>
+        </p:txBody>
+      </p:sp>
+      <p:sp>
+        <p:nvSpPr>
+          <p:cNvPr id="18" name="Rectangle 17"/>
+          <p:cNvSpPr>
+            <a:spLocks noGrp="1" noRot="1" noChangeAspect="1" noMove="1" noResize="1" noEditPoints="1" noAdjustHandles="1" noChangeArrowheads="1" noChangeShapeType="1" noTextEdit="1"/>
+          </p:cNvSpPr>
+          <p:nvPr>
+            <p:extLst>
+              <p:ext uri="{386F3935-93C4-4BCD-93E2-E3B085C9AB24}">
+                <p16:designElem xmlns="" xmlns:p16="http://schemas.microsoft.com/office/powerpoint/2015/main" val="1"/>
+              </p:ext>
+            </p:extLst>
+          </p:nvPr>
+        </p:nvSpPr>
+        <p:spPr>
+          <a:xfrm>
+            <a:off x="16" y="0"/>
+            <a:ext cx="4050791" cy="6858000"/>
+          </a:xfrm>
+          <a:prstGeom prst="rect">
+            <a:avLst/>
+          </a:prstGeom>
+          <a:solidFill>
+            <a:schemeClr val="accent2"/>
+          </a:solidFill>
+          <a:ln>
+            <a:noFill/>
+          </a:ln>
+        </p:spPr>
+        <p:style>
+          <a:lnRef idx="2">
+            <a:schemeClr val="accent1">
+              <a:shade val="50000"/>
+            </a:schemeClr>
+          </a:lnRef>
+          <a:fillRef idx="1">
+            <a:schemeClr val="accent1"/>
+          </a:fillRef>
+          <a:effectRef idx="0">
+            <a:schemeClr val="accent1"/>
+          </a:effectRef>
+          <a:fontRef idx="minor">
+            <a:schemeClr val="lt1"/>
+          </a:fontRef>
+        </p:style>
+      </p:sp>
+      <p:sp>
+        <p:nvSpPr>
+          <p:cNvPr id="20" name="Rectangle 19"/>
+          <p:cNvSpPr>
+            <a:spLocks noGrp="1" noRot="1" noChangeAspect="1" noMove="1" noResize="1" noEditPoints="1" noAdjustHandles="1" noChangeArrowheads="1" noChangeShapeType="1" noTextEdit="1"/>
+          </p:cNvSpPr>
+          <p:nvPr>
+            <p:extLst>
+              <p:ext uri="{386F3935-93C4-4BCD-93E2-E3B085C9AB24}">
+                <p16:designElem xmlns="" xmlns:p16="http://schemas.microsoft.com/office/powerpoint/2015/main" val="1"/>
+              </p:ext>
+            </p:extLst>
+          </p:nvPr>
+        </p:nvSpPr>
+        <p:spPr>
+          <a:xfrm>
+            <a:off x="4040071" y="0"/>
+            <a:ext cx="64008" cy="6858000"/>
+          </a:xfrm>
+          <a:prstGeom prst="rect">
+            <a:avLst/>
+          </a:prstGeom>
+          <a:solidFill>
+            <a:schemeClr val="accent1"/>
+          </a:solidFill>
+          <a:ln>
+            <a:noFill/>
+          </a:ln>
+        </p:spPr>
+        <p:style>
+          <a:lnRef idx="2">
+            <a:schemeClr val="accent1">
+              <a:shade val="50000"/>
+            </a:schemeClr>
+          </a:lnRef>
+          <a:fillRef idx="1">
+            <a:schemeClr val="accent1"/>
+          </a:fillRef>
+          <a:effectRef idx="0">
+            <a:schemeClr val="accent1"/>
+          </a:effectRef>
+          <a:fontRef idx="minor">
+            <a:schemeClr val="lt1"/>
+          </a:fontRef>
+        </p:style>
+      </p:sp>
+      <p:sp>
+        <p:nvSpPr>
+          <p:cNvPr id="2" name="Title 1"/>
+          <p:cNvSpPr>
+            <a:spLocks noGrp="1"/>
+          </p:cNvSpPr>
+          <p:nvPr>
+            <p:ph type="title"/>
+          </p:nvPr>
+        </p:nvSpPr>
+        <p:spPr>
+          <a:xfrm>
+            <a:off x="492370" y="516835"/>
+            <a:ext cx="3084844" cy="2103875"/>
+          </a:xfrm>
+        </p:spPr>
+        <p:txBody>
+          <a:bodyPr>
+            <a:normAutofit/>
+          </a:bodyPr>
+          <a:lstStyle/>
+          <a:p>
+            <a:r>
+              <a:rPr lang="en-US" altLang="zh-CN" sz="3600" dirty="0">
+                <a:solidFill>
+                  <a:srgbClr val="FFFFFF"/>
+                </a:solidFill>
+              </a:rPr>
+              <a:t>Test  C</a:t>
+            </a:r>
+            <a:r>
+              <a:rPr lang="en-US" altLang="zh-CN" sz="3600" dirty="0" smtClean="0">
+                <a:solidFill>
+                  <a:srgbClr val="FFFFFF"/>
+                </a:solidFill>
+              </a:rPr>
+              <a:t>ases </a:t>
+            </a:r>
+            <a:r>
+              <a:rPr lang="en-US" altLang="zh-CN" sz="3600" dirty="0">
+                <a:solidFill>
+                  <a:srgbClr val="FFFFFF"/>
+                </a:solidFill>
+              </a:rPr>
+              <a:t>for</a:t>
+            </a:r>
+            <a:br>
+              <a:rPr lang="en-US" altLang="zh-CN" sz="3600" dirty="0">
+                <a:solidFill>
+                  <a:srgbClr val="FFFFFF"/>
+                </a:solidFill>
+              </a:rPr>
+            </a:br>
+            <a:r>
+              <a:rPr lang="en-US" altLang="zh-CN" sz="3600" dirty="0" smtClean="0">
+                <a:solidFill>
+                  <a:srgbClr val="FFFFFF"/>
+                </a:solidFill>
+              </a:rPr>
+              <a:t>Sprint Task </a:t>
+            </a:r>
+            <a:r>
+              <a:rPr lang="en-US" altLang="zh-CN" sz="3600" dirty="0" smtClean="0">
+                <a:solidFill>
+                  <a:srgbClr val="FFFFFF"/>
+                </a:solidFill>
+              </a:rPr>
+              <a:t>33</a:t>
+            </a:r>
+            <a:endParaRPr lang="en-US" sz="3600" dirty="0">
+              <a:solidFill>
+                <a:srgbClr val="FFFFFF"/>
+              </a:solidFill>
+            </a:endParaRPr>
+          </a:p>
+        </p:txBody>
+      </p:sp>
+      <p:sp>
+        <p:nvSpPr>
+          <p:cNvPr id="3" name="Content Placeholder 2"/>
+          <p:cNvSpPr>
+            <a:spLocks noGrp="1"/>
+          </p:cNvSpPr>
+          <p:nvPr>
+            <p:ph idx="1"/>
+          </p:nvPr>
+        </p:nvSpPr>
+        <p:spPr>
+          <a:xfrm>
+            <a:off x="492371" y="2653800"/>
+            <a:ext cx="3084844" cy="3335519"/>
+          </a:xfrm>
+        </p:spPr>
+        <p:txBody>
+          <a:bodyPr>
+            <a:normAutofit/>
+          </a:bodyPr>
+          <a:lstStyle/>
+          <a:p>
+            <a:r>
+              <a:rPr lang="en-US" sz="1600" dirty="0">
+                <a:solidFill>
+                  <a:schemeClr val="bg1"/>
+                </a:solidFill>
+              </a:rPr>
+              <a:t>Validating the format and legitimacy of inputting file</a:t>
+            </a:r>
+            <a:r>
+              <a:rPr lang="zh-CN" altLang="en-US" sz="1600" dirty="0">
+                <a:solidFill>
+                  <a:schemeClr val="bg1"/>
+                </a:solidFill>
+              </a:rPr>
+              <a:t> </a:t>
+            </a:r>
+            <a:endParaRPr lang="en-US" sz="1500" dirty="0">
+              <a:solidFill>
+                <a:schemeClr val="bg1"/>
+              </a:solidFill>
+            </a:endParaRPr>
+          </a:p>
+        </p:txBody>
+      </p:sp>
+      <p:pic>
+        <p:nvPicPr>
+          <p:cNvPr id="4" name="Picture 3"/>
+          <p:cNvPicPr>
+            <a:picLocks noChangeAspect="1"/>
+          </p:cNvPicPr>
+          <p:nvPr/>
+        </p:nvPicPr>
+        <p:blipFill>
+          <a:blip r:embed="rId2"/>
+          <a:stretch>
+            <a:fillRect/>
+          </a:stretch>
+        </p:blipFill>
+        <p:spPr>
+          <a:xfrm>
+            <a:off x="4687262" y="1777500"/>
+            <a:ext cx="6807200" cy="1752600"/>
+          </a:xfrm>
+          <a:prstGeom prst="rect">
+            <a:avLst/>
+          </a:prstGeom>
+        </p:spPr>
+      </p:pic>
+    </p:spTree>
+    <p:extLst>
+      <p:ext uri="{BB962C8B-B14F-4D97-AF65-F5344CB8AC3E}">
+        <p14:creationId xmlns:p14="http://schemas.microsoft.com/office/powerpoint/2010/main" val="1270297386"/>
+      </p:ext>
+    </p:extLst>
+  </p:cSld>
+  <p:clrMapOvr>
+    <a:masterClrMapping/>
+  </p:clrMapOvr>
+</p:sld>
+</file>
+
 <file path=ppt/slides/slide2.xml><?xml version="1.0" encoding="utf-8"?>
 <p:sld xmlns:a="http://schemas.openxmlformats.org/drawingml/2006/main" xmlns:r="http://schemas.openxmlformats.org/officeDocument/2006/relationships" xmlns:p="http://schemas.openxmlformats.org/presentationml/2006/main">
   <p:cSld>
@@ -4675,11 +4997,7 @@
             </a:pPr>
             <a:r>
               <a:rPr lang="en-US" dirty="0"/>
-              <a:t>Filter historical runs of the algorithm</a:t>
-            </a:r>
-            <a:r>
-              <a:rPr lang="en-US" dirty="0"/>
-              <a:t> </a:t>
+              <a:t>Filter historical runs of the algorithm </a:t>
             </a:r>
             <a:endParaRPr lang="en-US" dirty="0" smtClean="0"/>
           </a:p>
@@ -4690,11 +5008,7 @@
             </a:pPr>
             <a:r>
               <a:rPr lang="en-US" dirty="0"/>
-              <a:t>View the target list in Graph view</a:t>
-            </a:r>
-            <a:r>
-              <a:rPr lang="en-US" dirty="0"/>
-              <a:t> </a:t>
+              <a:t>View the target list in Graph view </a:t>
             </a:r>
             <a:endParaRPr lang="en-US" dirty="0" smtClean="0"/>
           </a:p>
@@ -4739,7 +5053,7 @@
           <p:nvPr>
             <p:extLst>
               <p:ext uri="{386F3935-93C4-4BCD-93E2-E3B085C9AB24}">
-                <p16:designElem xmlns:p16="http://schemas.microsoft.com/office/powerpoint/2015/main" xmlns="" val="1"/>
+                <p16:designElem xmlns="" xmlns:p16="http://schemas.microsoft.com/office/powerpoint/2015/main" val="1"/>
               </p:ext>
             </p:extLst>
           </p:nvPr>
@@ -4790,7 +5104,7 @@
           <p:nvPr>
             <p:extLst>
               <p:ext uri="{386F3935-93C4-4BCD-93E2-E3B085C9AB24}">
-                <p16:designElem xmlns:p16="http://schemas.microsoft.com/office/powerpoint/2015/main" xmlns="" val="1"/>
+                <p16:designElem xmlns="" xmlns:p16="http://schemas.microsoft.com/office/powerpoint/2015/main" val="1"/>
               </p:ext>
             </p:extLst>
           </p:nvPr>
@@ -4836,7 +5150,7 @@
           <p:nvPr>
             <p:extLst>
               <p:ext uri="{386F3935-93C4-4BCD-93E2-E3B085C9AB24}">
-                <p16:designElem xmlns:p16="http://schemas.microsoft.com/office/powerpoint/2015/main" xmlns="" val="1"/>
+                <p16:designElem xmlns="" xmlns:p16="http://schemas.microsoft.com/office/powerpoint/2015/main" val="1"/>
               </p:ext>
             </p:extLst>
           </p:nvPr>
@@ -5004,7 +5318,7 @@
           <p:nvPr>
             <p:extLst>
               <p:ext uri="{386F3935-93C4-4BCD-93E2-E3B085C9AB24}">
-                <p16:designElem xmlns:p16="http://schemas.microsoft.com/office/powerpoint/2015/main" xmlns="" val="1"/>
+                <p16:designElem xmlns="" xmlns:p16="http://schemas.microsoft.com/office/powerpoint/2015/main" val="1"/>
               </p:ext>
             </p:extLst>
           </p:nvPr>
@@ -5055,7 +5369,7 @@
           <p:nvPr>
             <p:extLst>
               <p:ext uri="{386F3935-93C4-4BCD-93E2-E3B085C9AB24}">
-                <p16:designElem xmlns:p16="http://schemas.microsoft.com/office/powerpoint/2015/main" xmlns="" val="1"/>
+                <p16:designElem xmlns="" xmlns:p16="http://schemas.microsoft.com/office/powerpoint/2015/main" val="1"/>
               </p:ext>
             </p:extLst>
           </p:nvPr>
@@ -5101,7 +5415,7 @@
           <p:nvPr>
             <p:extLst>
               <p:ext uri="{386F3935-93C4-4BCD-93E2-E3B085C9AB24}">
-                <p16:designElem xmlns:p16="http://schemas.microsoft.com/office/powerpoint/2015/main" xmlns="" val="1"/>
+                <p16:designElem xmlns="" xmlns:p16="http://schemas.microsoft.com/office/powerpoint/2015/main" val="1"/>
               </p:ext>
             </p:extLst>
           </p:nvPr>
@@ -5261,7 +5575,7 @@
           <p:nvPr>
             <p:extLst>
               <p:ext uri="{386F3935-93C4-4BCD-93E2-E3B085C9AB24}">
-                <p16:designElem xmlns:p16="http://schemas.microsoft.com/office/powerpoint/2015/main" xmlns="" val="1"/>
+                <p16:designElem xmlns="" xmlns:p16="http://schemas.microsoft.com/office/powerpoint/2015/main" val="1"/>
               </p:ext>
             </p:extLst>
           </p:nvPr>
@@ -5312,7 +5626,7 @@
           <p:nvPr>
             <p:extLst>
               <p:ext uri="{386F3935-93C4-4BCD-93E2-E3B085C9AB24}">
-                <p16:designElem xmlns:p16="http://schemas.microsoft.com/office/powerpoint/2015/main" xmlns="" val="1"/>
+                <p16:designElem xmlns="" xmlns:p16="http://schemas.microsoft.com/office/powerpoint/2015/main" val="1"/>
               </p:ext>
             </p:extLst>
           </p:nvPr>
@@ -5358,7 +5672,7 @@
           <p:nvPr>
             <p:extLst>
               <p:ext uri="{386F3935-93C4-4BCD-93E2-E3B085C9AB24}">
-                <p16:designElem xmlns:p16="http://schemas.microsoft.com/office/powerpoint/2015/main" xmlns="" val="1"/>
+                <p16:designElem xmlns="" xmlns:p16="http://schemas.microsoft.com/office/powerpoint/2015/main" val="1"/>
               </p:ext>
             </p:extLst>
           </p:nvPr>
@@ -5526,7 +5840,7 @@
           <p:nvPr>
             <p:extLst>
               <p:ext uri="{386F3935-93C4-4BCD-93E2-E3B085C9AB24}">
-                <p16:designElem xmlns:p16="http://schemas.microsoft.com/office/powerpoint/2015/main" xmlns="" val="1"/>
+                <p16:designElem xmlns="" xmlns:p16="http://schemas.microsoft.com/office/powerpoint/2015/main" val="1"/>
               </p:ext>
             </p:extLst>
           </p:nvPr>
@@ -5577,7 +5891,7 @@
           <p:nvPr>
             <p:extLst>
               <p:ext uri="{386F3935-93C4-4BCD-93E2-E3B085C9AB24}">
-                <p16:designElem xmlns:p16="http://schemas.microsoft.com/office/powerpoint/2015/main" xmlns="" val="1"/>
+                <p16:designElem xmlns="" xmlns:p16="http://schemas.microsoft.com/office/powerpoint/2015/main" val="1"/>
               </p:ext>
             </p:extLst>
           </p:nvPr>
@@ -5623,7 +5937,7 @@
           <p:nvPr>
             <p:extLst>
               <p:ext uri="{386F3935-93C4-4BCD-93E2-E3B085C9AB24}">
-                <p16:designElem xmlns:p16="http://schemas.microsoft.com/office/powerpoint/2015/main" xmlns="" val="1"/>
+                <p16:designElem xmlns="" xmlns:p16="http://schemas.microsoft.com/office/powerpoint/2015/main" val="1"/>
               </p:ext>
             </p:extLst>
           </p:nvPr>
@@ -5719,7 +6033,15 @@
                   <a:srgbClr val="FFFFFF"/>
                 </a:solidFill>
               </a:rPr>
-              <a:t>Sprint Task 123</a:t>
+              <a:t>Sprint Task </a:t>
+            </a:r>
+            <a:r>
+              <a:rPr lang="en-US" altLang="zh-CN" sz="3600" dirty="0" smtClean="0">
+                <a:solidFill>
+                  <a:srgbClr val="FFFFFF"/>
+                </a:solidFill>
+              </a:rPr>
+              <a:t>31</a:t>
             </a:r>
             <a:endParaRPr lang="en-US" sz="3600" dirty="0">
               <a:solidFill>
@@ -5752,16 +6074,24 @@
           <a:lstStyle/>
           <a:p>
             <a:r>
-              <a:rPr lang="en-US" sz="1600" dirty="0" err="1" smtClean="0">
+              <a:rPr lang="en-US" sz="1600" dirty="0">
                 <a:solidFill>
-                  <a:srgbClr val="FFFFFF"/>
+                  <a:schemeClr val="bg1"/>
                 </a:solidFill>
               </a:rPr>
-              <a:t>aaabbb</a:t>
+              <a:t>Develop DB access code for retrieving the old runs which can search an old run based on one or more of the following information: date, time, size of the environment, number of regions, and number of steps for completion</a:t>
+            </a:r>
+            <a:r>
+              <a:rPr lang="zh-CN" altLang="en-US" sz="1600" dirty="0">
+                <a:solidFill>
+                  <a:schemeClr val="bg1"/>
+                </a:solidFill>
+              </a:rPr>
+              <a:t> </a:t>
             </a:r>
             <a:endParaRPr lang="en-US" sz="1600" dirty="0">
               <a:solidFill>
-                <a:srgbClr val="FFFFFF"/>
+                <a:schemeClr val="bg1"/>
               </a:solidFill>
             </a:endParaRPr>
           </a:p>
@@ -5774,10 +6104,354 @@
           </a:p>
         </p:txBody>
       </p:sp>
+      <p:pic>
+        <p:nvPicPr>
+          <p:cNvPr id="4" name="Picture 3"/>
+          <p:cNvPicPr>
+            <a:picLocks noChangeAspect="1"/>
+          </p:cNvPicPr>
+          <p:nvPr/>
+        </p:nvPicPr>
+        <p:blipFill>
+          <a:blip r:embed="rId2"/>
+          <a:stretch>
+            <a:fillRect/>
+          </a:stretch>
+        </p:blipFill>
+        <p:spPr>
+          <a:xfrm>
+            <a:off x="4326146" y="50800"/>
+            <a:ext cx="6769100" cy="6807200"/>
+          </a:xfrm>
+          <a:prstGeom prst="rect">
+            <a:avLst/>
+          </a:prstGeom>
+        </p:spPr>
+      </p:pic>
     </p:spTree>
     <p:extLst>
       <p:ext uri="{BB962C8B-B14F-4D97-AF65-F5344CB8AC3E}">
         <p14:creationId xmlns:p14="http://schemas.microsoft.com/office/powerpoint/2010/main" val="884619272"/>
+      </p:ext>
+    </p:extLst>
+  </p:cSld>
+  <p:clrMapOvr>
+    <a:masterClrMapping/>
+  </p:clrMapOvr>
+</p:sld>
+</file>
+
+<file path=ppt/slides/slide9.xml><?xml version="1.0" encoding="utf-8"?>
+<p:sld xmlns:a="http://schemas.openxmlformats.org/drawingml/2006/main" xmlns:r="http://schemas.openxmlformats.org/officeDocument/2006/relationships" xmlns:p="http://schemas.openxmlformats.org/presentationml/2006/main">
+  <p:cSld>
+    <p:spTree>
+      <p:nvGrpSpPr>
+        <p:cNvPr id="1" name=""/>
+        <p:cNvGrpSpPr/>
+        <p:nvPr/>
+      </p:nvGrpSpPr>
+      <p:grpSpPr>
+        <a:xfrm>
+          <a:off x="0" y="0"/>
+          <a:ext cx="0" cy="0"/>
+          <a:chOff x="0" y="0"/>
+          <a:chExt cx="0" cy="0"/>
+        </a:xfrm>
+      </p:grpSpPr>
+      <p:sp useBgFill="1">
+        <p:nvSpPr>
+          <p:cNvPr id="16" name="Rectangle 15"/>
+          <p:cNvSpPr>
+            <a:spLocks noGrp="1" noRot="1" noChangeAspect="1" noMove="1" noResize="1" noEditPoints="1" noAdjustHandles="1" noChangeArrowheads="1" noChangeShapeType="1" noTextEdit="1"/>
+          </p:cNvSpPr>
+          <p:nvPr>
+            <p:extLst>
+              <p:ext uri="{386F3935-93C4-4BCD-93E2-E3B085C9AB24}">
+                <p16:designElem xmlns="" xmlns:p16="http://schemas.microsoft.com/office/powerpoint/2015/main" val="1"/>
+              </p:ext>
+            </p:extLst>
+          </p:nvPr>
+        </p:nvSpPr>
+        <p:spPr>
+          <a:xfrm>
+            <a:off x="0" y="0"/>
+            <a:ext cx="12186315" cy="6858000"/>
+          </a:xfrm>
+          <a:prstGeom prst="rect">
+            <a:avLst/>
+          </a:prstGeom>
+          <a:ln>
+            <a:noFill/>
+          </a:ln>
+        </p:spPr>
+        <p:style>
+          <a:lnRef idx="2">
+            <a:schemeClr val="accent6">
+              <a:shade val="50000"/>
+            </a:schemeClr>
+          </a:lnRef>
+          <a:fillRef idx="1001">
+            <a:schemeClr val="lt1"/>
+          </a:fillRef>
+          <a:effectRef idx="0">
+            <a:schemeClr val="accent6"/>
+          </a:effectRef>
+          <a:fontRef idx="minor">
+            <a:schemeClr val="lt1"/>
+          </a:fontRef>
+        </p:style>
+        <p:txBody>
+          <a:bodyPr rtlCol="0" anchor="ctr"/>
+          <a:lstStyle/>
+          <a:p>
+            <a:pPr algn="ctr"/>
+            <a:endParaRPr lang="en-US"/>
+          </a:p>
+        </p:txBody>
+      </p:sp>
+      <p:sp>
+        <p:nvSpPr>
+          <p:cNvPr id="18" name="Rectangle 17"/>
+          <p:cNvSpPr>
+            <a:spLocks noGrp="1" noRot="1" noChangeAspect="1" noMove="1" noResize="1" noEditPoints="1" noAdjustHandles="1" noChangeArrowheads="1" noChangeShapeType="1" noTextEdit="1"/>
+          </p:cNvSpPr>
+          <p:nvPr>
+            <p:extLst>
+              <p:ext uri="{386F3935-93C4-4BCD-93E2-E3B085C9AB24}">
+                <p16:designElem xmlns="" xmlns:p16="http://schemas.microsoft.com/office/powerpoint/2015/main" val="1"/>
+              </p:ext>
+            </p:extLst>
+          </p:nvPr>
+        </p:nvSpPr>
+        <p:spPr>
+          <a:xfrm>
+            <a:off x="16" y="0"/>
+            <a:ext cx="4050791" cy="6858000"/>
+          </a:xfrm>
+          <a:prstGeom prst="rect">
+            <a:avLst/>
+          </a:prstGeom>
+          <a:solidFill>
+            <a:schemeClr val="accent2"/>
+          </a:solidFill>
+          <a:ln>
+            <a:noFill/>
+          </a:ln>
+        </p:spPr>
+        <p:style>
+          <a:lnRef idx="2">
+            <a:schemeClr val="accent1">
+              <a:shade val="50000"/>
+            </a:schemeClr>
+          </a:lnRef>
+          <a:fillRef idx="1">
+            <a:schemeClr val="accent1"/>
+          </a:fillRef>
+          <a:effectRef idx="0">
+            <a:schemeClr val="accent1"/>
+          </a:effectRef>
+          <a:fontRef idx="minor">
+            <a:schemeClr val="lt1"/>
+          </a:fontRef>
+        </p:style>
+      </p:sp>
+      <p:sp>
+        <p:nvSpPr>
+          <p:cNvPr id="20" name="Rectangle 19"/>
+          <p:cNvSpPr>
+            <a:spLocks noGrp="1" noRot="1" noChangeAspect="1" noMove="1" noResize="1" noEditPoints="1" noAdjustHandles="1" noChangeArrowheads="1" noChangeShapeType="1" noTextEdit="1"/>
+          </p:cNvSpPr>
+          <p:nvPr>
+            <p:extLst>
+              <p:ext uri="{386F3935-93C4-4BCD-93E2-E3B085C9AB24}">
+                <p16:designElem xmlns="" xmlns:p16="http://schemas.microsoft.com/office/powerpoint/2015/main" val="1"/>
+              </p:ext>
+            </p:extLst>
+          </p:nvPr>
+        </p:nvSpPr>
+        <p:spPr>
+          <a:xfrm>
+            <a:off x="4040071" y="0"/>
+            <a:ext cx="64008" cy="6858000"/>
+          </a:xfrm>
+          <a:prstGeom prst="rect">
+            <a:avLst/>
+          </a:prstGeom>
+          <a:solidFill>
+            <a:schemeClr val="accent1"/>
+          </a:solidFill>
+          <a:ln>
+            <a:noFill/>
+          </a:ln>
+        </p:spPr>
+        <p:style>
+          <a:lnRef idx="2">
+            <a:schemeClr val="accent1">
+              <a:shade val="50000"/>
+            </a:schemeClr>
+          </a:lnRef>
+          <a:fillRef idx="1">
+            <a:schemeClr val="accent1"/>
+          </a:fillRef>
+          <a:effectRef idx="0">
+            <a:schemeClr val="accent1"/>
+          </a:effectRef>
+          <a:fontRef idx="minor">
+            <a:schemeClr val="lt1"/>
+          </a:fontRef>
+        </p:style>
+      </p:sp>
+      <p:sp>
+        <p:nvSpPr>
+          <p:cNvPr id="2" name="Title 1"/>
+          <p:cNvSpPr>
+            <a:spLocks noGrp="1"/>
+          </p:cNvSpPr>
+          <p:nvPr>
+            <p:ph type="title"/>
+          </p:nvPr>
+        </p:nvSpPr>
+        <p:spPr>
+          <a:xfrm>
+            <a:off x="492370" y="516835"/>
+            <a:ext cx="3084844" cy="2103875"/>
+          </a:xfrm>
+        </p:spPr>
+        <p:txBody>
+          <a:bodyPr>
+            <a:normAutofit/>
+          </a:bodyPr>
+          <a:lstStyle/>
+          <a:p>
+            <a:r>
+              <a:rPr lang="en-US" altLang="zh-CN" sz="3600" dirty="0">
+                <a:solidFill>
+                  <a:srgbClr val="FFFFFF"/>
+                </a:solidFill>
+              </a:rPr>
+              <a:t>Test  C</a:t>
+            </a:r>
+            <a:r>
+              <a:rPr lang="en-US" altLang="zh-CN" sz="3600" dirty="0" smtClean="0">
+                <a:solidFill>
+                  <a:srgbClr val="FFFFFF"/>
+                </a:solidFill>
+              </a:rPr>
+              <a:t>ases </a:t>
+            </a:r>
+            <a:r>
+              <a:rPr lang="en-US" altLang="zh-CN" sz="3600" dirty="0">
+                <a:solidFill>
+                  <a:srgbClr val="FFFFFF"/>
+                </a:solidFill>
+              </a:rPr>
+              <a:t>for</a:t>
+            </a:r>
+            <a:br>
+              <a:rPr lang="en-US" altLang="zh-CN" sz="3600" dirty="0">
+                <a:solidFill>
+                  <a:srgbClr val="FFFFFF"/>
+                </a:solidFill>
+              </a:rPr>
+            </a:br>
+            <a:r>
+              <a:rPr lang="en-US" altLang="zh-CN" sz="3600" dirty="0" smtClean="0">
+                <a:solidFill>
+                  <a:srgbClr val="FFFFFF"/>
+                </a:solidFill>
+              </a:rPr>
+              <a:t>Sprint Task </a:t>
+            </a:r>
+            <a:r>
+              <a:rPr lang="en-US" altLang="zh-CN" sz="3600" dirty="0" smtClean="0">
+                <a:solidFill>
+                  <a:srgbClr val="FFFFFF"/>
+                </a:solidFill>
+              </a:rPr>
+              <a:t>32</a:t>
+            </a:r>
+            <a:endParaRPr lang="en-US" sz="3600" dirty="0">
+              <a:solidFill>
+                <a:srgbClr val="FFFFFF"/>
+              </a:solidFill>
+            </a:endParaRPr>
+          </a:p>
+        </p:txBody>
+      </p:sp>
+      <p:sp>
+        <p:nvSpPr>
+          <p:cNvPr id="3" name="Content Placeholder 2"/>
+          <p:cNvSpPr>
+            <a:spLocks noGrp="1"/>
+          </p:cNvSpPr>
+          <p:nvPr>
+            <p:ph idx="1"/>
+          </p:nvPr>
+        </p:nvSpPr>
+        <p:spPr>
+          <a:xfrm>
+            <a:off x="492371" y="2653800"/>
+            <a:ext cx="3084844" cy="3335519"/>
+          </a:xfrm>
+        </p:spPr>
+        <p:txBody>
+          <a:bodyPr>
+            <a:normAutofit/>
+          </a:bodyPr>
+          <a:lstStyle/>
+          <a:p>
+            <a:r>
+              <a:rPr lang="en-US" sz="1600" dirty="0">
+                <a:solidFill>
+                  <a:schemeClr val="bg1"/>
+                </a:solidFill>
+              </a:rPr>
+              <a:t>Develop GUI to support selecting the parameters like date, time, size of the environment, number of regions, and number of steps for completion</a:t>
+            </a:r>
+            <a:r>
+              <a:rPr lang="zh-CN" altLang="en-US" sz="1600" dirty="0">
+                <a:solidFill>
+                  <a:schemeClr val="bg1"/>
+                </a:solidFill>
+              </a:rPr>
+              <a:t> </a:t>
+            </a:r>
+            <a:endParaRPr lang="en-US" sz="1500" dirty="0">
+              <a:solidFill>
+                <a:schemeClr val="bg1"/>
+              </a:solidFill>
+            </a:endParaRPr>
+          </a:p>
+        </p:txBody>
+      </p:sp>
+      <p:pic>
+        <p:nvPicPr>
+          <p:cNvPr id="5" name="Picture 4"/>
+          <p:cNvPicPr>
+            <a:picLocks noChangeAspect="1"/>
+          </p:cNvPicPr>
+          <p:nvPr/>
+        </p:nvPicPr>
+        <p:blipFill>
+          <a:blip r:embed="rId2"/>
+          <a:stretch>
+            <a:fillRect/>
+          </a:stretch>
+        </p:blipFill>
+        <p:spPr>
+          <a:xfrm>
+            <a:off x="4322682" y="756919"/>
+            <a:ext cx="6591300" cy="5232400"/>
+          </a:xfrm>
+          <a:prstGeom prst="rect">
+            <a:avLst/>
+          </a:prstGeom>
+        </p:spPr>
+      </p:pic>
+    </p:spTree>
+    <p:extLst>
+      <p:ext uri="{BB962C8B-B14F-4D97-AF65-F5344CB8AC3E}">
+        <p14:creationId xmlns:p14="http://schemas.microsoft.com/office/powerpoint/2010/main" val="1425164076"/>
       </p:ext>
     </p:extLst>
   </p:cSld>

--- a/documents/set5/Presentation5.pptx
+++ b/documents/set5/Presentation5.pptx
@@ -12,8 +12,8 @@
     <p:sldId id="265" r:id="rId3"/>
     <p:sldId id="266" r:id="rId4"/>
     <p:sldId id="271" r:id="rId5"/>
-    <p:sldId id="267" r:id="rId6"/>
-    <p:sldId id="273" r:id="rId7"/>
+    <p:sldId id="273" r:id="rId6"/>
+    <p:sldId id="267" r:id="rId7"/>
     <p:sldId id="272" r:id="rId8"/>
     <p:sldId id="269" r:id="rId9"/>
     <p:sldId id="274" r:id="rId10"/>
@@ -4231,7 +4231,7 @@
           <p:nvPr>
             <p:extLst>
               <p:ext uri="{386F3935-93C4-4BCD-93E2-E3B085C9AB24}">
-                <p16:designElem xmlns="" xmlns:p16="http://schemas.microsoft.com/office/powerpoint/2015/main" val="1"/>
+                <p16:designElem xmlns:p16="http://schemas.microsoft.com/office/powerpoint/2015/main" val="1"/>
               </p:ext>
             </p:extLst>
           </p:nvPr>
@@ -4282,7 +4282,7 @@
           <p:nvPr>
             <p:extLst>
               <p:ext uri="{386F3935-93C4-4BCD-93E2-E3B085C9AB24}">
-                <p16:designElem xmlns="" xmlns:p16="http://schemas.microsoft.com/office/powerpoint/2015/main" val="1"/>
+                <p16:designElem xmlns:p16="http://schemas.microsoft.com/office/powerpoint/2015/main" val="1"/>
               </p:ext>
             </p:extLst>
           </p:nvPr>
@@ -4328,7 +4328,7 @@
           <p:nvPr>
             <p:extLst>
               <p:ext uri="{386F3935-93C4-4BCD-93E2-E3B085C9AB24}">
-                <p16:designElem xmlns="" xmlns:p16="http://schemas.microsoft.com/office/powerpoint/2015/main" val="1"/>
+                <p16:designElem xmlns:p16="http://schemas.microsoft.com/office/powerpoint/2015/main" val="1"/>
               </p:ext>
             </p:extLst>
           </p:nvPr>
@@ -4424,15 +4424,7 @@
                   <a:srgbClr val="FFFFFF"/>
                 </a:solidFill>
               </a:rPr>
-              <a:t>Sprint Task </a:t>
-            </a:r>
-            <a:r>
-              <a:rPr lang="en-US" altLang="zh-CN" sz="3600" dirty="0" smtClean="0">
-                <a:solidFill>
-                  <a:srgbClr val="FFFFFF"/>
-                </a:solidFill>
-              </a:rPr>
-              <a:t>33</a:t>
+              <a:t>Sprint Task 33</a:t>
             </a:r>
             <a:endParaRPr lang="en-US" sz="3600" dirty="0">
               <a:solidFill>
@@ -5046,14 +5038,14 @@
       </p:grpSpPr>
       <p:sp useBgFill="1">
         <p:nvSpPr>
-          <p:cNvPr id="16" name="Rectangle 15"/>
+          <p:cNvPr id="25" name="Rectangle 24"/>
           <p:cNvSpPr>
             <a:spLocks noGrp="1" noRot="1" noChangeAspect="1" noMove="1" noResize="1" noEditPoints="1" noAdjustHandles="1" noChangeArrowheads="1" noChangeShapeType="1" noTextEdit="1"/>
           </p:cNvSpPr>
           <p:nvPr>
             <p:extLst>
               <p:ext uri="{386F3935-93C4-4BCD-93E2-E3B085C9AB24}">
-                <p16:designElem xmlns="" xmlns:p16="http://schemas.microsoft.com/office/powerpoint/2015/main" val="1"/>
+                <p16:designElem xmlns:p16="http://schemas.microsoft.com/office/powerpoint/2015/main" val="1"/>
               </p:ext>
             </p:extLst>
           </p:nvPr>
@@ -5097,14 +5089,14 @@
       </p:sp>
       <p:sp>
         <p:nvSpPr>
-          <p:cNvPr id="18" name="Rectangle 17"/>
+          <p:cNvPr id="27" name="Rectangle 26"/>
           <p:cNvSpPr>
             <a:spLocks noGrp="1" noRot="1" noChangeAspect="1" noMove="1" noResize="1" noEditPoints="1" noAdjustHandles="1" noChangeArrowheads="1" noChangeShapeType="1" noTextEdit="1"/>
           </p:cNvSpPr>
           <p:nvPr>
             <p:extLst>
               <p:ext uri="{386F3935-93C4-4BCD-93E2-E3B085C9AB24}">
-                <p16:designElem xmlns="" xmlns:p16="http://schemas.microsoft.com/office/powerpoint/2015/main" val="1"/>
+                <p16:designElem xmlns:p16="http://schemas.microsoft.com/office/powerpoint/2015/main" val="1"/>
               </p:ext>
             </p:extLst>
           </p:nvPr>
@@ -5143,14 +5135,14 @@
       </p:sp>
       <p:sp>
         <p:nvSpPr>
-          <p:cNvPr id="20" name="Rectangle 19"/>
+          <p:cNvPr id="29" name="Rectangle 28"/>
           <p:cNvSpPr>
             <a:spLocks noGrp="1" noRot="1" noChangeAspect="1" noMove="1" noResize="1" noEditPoints="1" noAdjustHandles="1" noChangeArrowheads="1" noChangeShapeType="1" noTextEdit="1"/>
           </p:cNvSpPr>
           <p:nvPr>
             <p:extLst>
               <p:ext uri="{386F3935-93C4-4BCD-93E2-E3B085C9AB24}">
-                <p16:designElem xmlns="" xmlns:p16="http://schemas.microsoft.com/office/powerpoint/2015/main" val="1"/>
+                <p16:designElem xmlns:p16="http://schemas.microsoft.com/office/powerpoint/2015/main" val="1"/>
               </p:ext>
             </p:extLst>
           </p:nvPr>
@@ -5187,6 +5179,30 @@
           </a:fontRef>
         </p:style>
       </p:sp>
+      <p:pic>
+        <p:nvPicPr>
+          <p:cNvPr id="4" name="Picture 3"/>
+          <p:cNvPicPr>
+            <a:picLocks noChangeAspect="1"/>
+          </p:cNvPicPr>
+          <p:nvPr/>
+        </p:nvPicPr>
+        <p:blipFill>
+          <a:blip r:embed="rId2"/>
+          <a:stretch>
+            <a:fillRect/>
+          </a:stretch>
+        </p:blipFill>
+        <p:spPr>
+          <a:xfrm>
+            <a:off x="4600732" y="1371600"/>
+            <a:ext cx="7086804" cy="3525684"/>
+          </a:xfrm>
+          <a:prstGeom prst="rect">
+            <a:avLst/>
+          </a:prstGeom>
+        </p:spPr>
+      </p:pic>
       <p:sp>
         <p:nvSpPr>
           <p:cNvPr id="2" name="Title 1"/>
@@ -5210,14 +5226,14 @@
           <a:lstStyle/>
           <a:p>
             <a:r>
-              <a:rPr lang="en-US" altLang="zh-CN" sz="3600" dirty="0">
+              <a:rPr lang="en-US" altLang="zh-CN" sz="3600">
                 <a:solidFill>
                   <a:srgbClr val="FFFFFF"/>
                 </a:solidFill>
               </a:rPr>
               <a:t>Sprint Tasks</a:t>
             </a:r>
-            <a:endParaRPr lang="en-US" sz="3600" dirty="0">
+            <a:endParaRPr lang="en-US" sz="3600">
               <a:solidFill>
                 <a:srgbClr val="FFFFFF"/>
               </a:solidFill>
@@ -5247,28 +5263,17 @@
           </a:bodyPr>
           <a:lstStyle/>
           <a:p>
-            <a:pPr marL="91440" lvl="1" indent="-91440">
-              <a:spcBef>
-                <a:spcPts val="1200"/>
-              </a:spcBef>
-              <a:spcAft>
-                <a:spcPts val="200"/>
-              </a:spcAft>
-              <a:buSzPct val="100000"/>
-              <a:buFont typeface="Calibri" panose="020F0502020204030204" pitchFamily="34" charset="0"/>
-              <a:buChar char=" "/>
+            <a:pPr marL="201168" lvl="1" indent="0">
+              <a:buNone/>
             </a:pPr>
             <a:r>
-              <a:rPr lang="en-US" sz="2400" dirty="0"/>
-              <a:t>Load environment file </a:t>
-            </a:r>
-          </a:p>
-          <a:p>
-            <a:endParaRPr lang="en-US" sz="1600" dirty="0">
-              <a:solidFill>
-                <a:srgbClr val="FFFFFF"/>
-              </a:solidFill>
-            </a:endParaRPr>
+              <a:rPr lang="en-US" sz="1500" dirty="0">
+                <a:solidFill>
+                  <a:srgbClr val="FFFFFF"/>
+                </a:solidFill>
+              </a:rPr>
+              <a:t>Filter historical runs of the algorithm </a:t>
+            </a:r>
           </a:p>
           <a:p>
             <a:endParaRPr lang="en-US" sz="1500" dirty="0">
@@ -5277,12 +5282,19 @@
               </a:solidFill>
             </a:endParaRPr>
           </a:p>
+          <a:p>
+            <a:endParaRPr lang="en-US" sz="1500" dirty="0">
+              <a:solidFill>
+                <a:srgbClr val="FFFFFF"/>
+              </a:solidFill>
+            </a:endParaRPr>
+          </a:p>
         </p:txBody>
       </p:sp>
     </p:spTree>
     <p:extLst>
       <p:ext uri="{BB962C8B-B14F-4D97-AF65-F5344CB8AC3E}">
-        <p14:creationId xmlns:p14="http://schemas.microsoft.com/office/powerpoint/2010/main" val="1966399335"/>
+        <p14:creationId xmlns:p14="http://schemas.microsoft.com/office/powerpoint/2010/main" val="2434814738"/>
       </p:ext>
     </p:extLst>
   </p:cSld>
@@ -5311,14 +5323,14 @@
       </p:grpSpPr>
       <p:sp useBgFill="1">
         <p:nvSpPr>
-          <p:cNvPr id="16" name="Rectangle 15"/>
+          <p:cNvPr id="25" name="Rectangle 24"/>
           <p:cNvSpPr>
             <a:spLocks noGrp="1" noRot="1" noChangeAspect="1" noMove="1" noResize="1" noEditPoints="1" noAdjustHandles="1" noChangeArrowheads="1" noChangeShapeType="1" noTextEdit="1"/>
           </p:cNvSpPr>
           <p:nvPr>
             <p:extLst>
               <p:ext uri="{386F3935-93C4-4BCD-93E2-E3B085C9AB24}">
-                <p16:designElem xmlns="" xmlns:p16="http://schemas.microsoft.com/office/powerpoint/2015/main" val="1"/>
+                <p16:designElem xmlns:p16="http://schemas.microsoft.com/office/powerpoint/2015/main" val="1"/>
               </p:ext>
             </p:extLst>
           </p:nvPr>
@@ -5362,14 +5374,14 @@
       </p:sp>
       <p:sp>
         <p:nvSpPr>
-          <p:cNvPr id="18" name="Rectangle 17"/>
+          <p:cNvPr id="27" name="Rectangle 26"/>
           <p:cNvSpPr>
             <a:spLocks noGrp="1" noRot="1" noChangeAspect="1" noMove="1" noResize="1" noEditPoints="1" noAdjustHandles="1" noChangeArrowheads="1" noChangeShapeType="1" noTextEdit="1"/>
           </p:cNvSpPr>
           <p:nvPr>
             <p:extLst>
               <p:ext uri="{386F3935-93C4-4BCD-93E2-E3B085C9AB24}">
-                <p16:designElem xmlns="" xmlns:p16="http://schemas.microsoft.com/office/powerpoint/2015/main" val="1"/>
+                <p16:designElem xmlns:p16="http://schemas.microsoft.com/office/powerpoint/2015/main" val="1"/>
               </p:ext>
             </p:extLst>
           </p:nvPr>
@@ -5408,14 +5420,14 @@
       </p:sp>
       <p:sp>
         <p:nvSpPr>
-          <p:cNvPr id="20" name="Rectangle 19"/>
+          <p:cNvPr id="29" name="Rectangle 28"/>
           <p:cNvSpPr>
             <a:spLocks noGrp="1" noRot="1" noChangeAspect="1" noMove="1" noResize="1" noEditPoints="1" noAdjustHandles="1" noChangeArrowheads="1" noChangeShapeType="1" noTextEdit="1"/>
           </p:cNvSpPr>
           <p:nvPr>
             <p:extLst>
               <p:ext uri="{386F3935-93C4-4BCD-93E2-E3B085C9AB24}">
-                <p16:designElem xmlns="" xmlns:p16="http://schemas.microsoft.com/office/powerpoint/2015/main" val="1"/>
+                <p16:designElem xmlns:p16="http://schemas.microsoft.com/office/powerpoint/2015/main" val="1"/>
               </p:ext>
             </p:extLst>
           </p:nvPr>
@@ -5452,6 +5464,30 @@
           </a:fontRef>
         </p:style>
       </p:sp>
+      <p:pic>
+        <p:nvPicPr>
+          <p:cNvPr id="4" name="Picture 3"/>
+          <p:cNvPicPr>
+            <a:picLocks noChangeAspect="1"/>
+          </p:cNvPicPr>
+          <p:nvPr/>
+        </p:nvPicPr>
+        <p:blipFill>
+          <a:blip r:embed="rId2"/>
+          <a:stretch>
+            <a:fillRect/>
+          </a:stretch>
+        </p:blipFill>
+        <p:spPr>
+          <a:xfrm>
+            <a:off x="4376607" y="2590726"/>
+            <a:ext cx="7535053" cy="1676548"/>
+          </a:xfrm>
+          <a:prstGeom prst="rect">
+            <a:avLst/>
+          </a:prstGeom>
+        </p:spPr>
+      </p:pic>
       <p:sp>
         <p:nvSpPr>
           <p:cNvPr id="2" name="Title 1"/>
@@ -5475,14 +5511,14 @@
           <a:lstStyle/>
           <a:p>
             <a:r>
-              <a:rPr lang="en-US" altLang="zh-CN" sz="3600" dirty="0">
+              <a:rPr lang="en-US" altLang="zh-CN" sz="3600">
                 <a:solidFill>
                   <a:srgbClr val="FFFFFF"/>
                 </a:solidFill>
               </a:rPr>
               <a:t>Sprint Tasks</a:t>
             </a:r>
-            <a:endParaRPr lang="en-US" sz="3600" dirty="0">
+            <a:endParaRPr lang="en-US" sz="3600">
               <a:solidFill>
                 <a:srgbClr val="FFFFFF"/>
               </a:solidFill>
@@ -5512,20 +5548,25 @@
           </a:bodyPr>
           <a:lstStyle/>
           <a:p>
-            <a:pPr marL="201168" lvl="1" indent="0">
-              <a:buNone/>
+            <a:pPr marL="91440" lvl="1" indent="-91440">
+              <a:spcBef>
+                <a:spcPts val="1200"/>
+              </a:spcBef>
+              <a:spcAft>
+                <a:spcPts val="200"/>
+              </a:spcAft>
+              <a:buSzPct val="100000"/>
+              <a:buFont typeface="Calibri" panose="020F0502020204030204" pitchFamily="34" charset="0"/>
+              <a:buChar char=" "/>
             </a:pPr>
             <a:r>
-              <a:rPr lang="en-US" sz="2400" dirty="0"/>
-              <a:t>Filter historical runs of the algorithm </a:t>
-            </a:r>
-          </a:p>
-          <a:p>
-            <a:endParaRPr lang="en-US" sz="1600" dirty="0">
-              <a:solidFill>
-                <a:srgbClr val="FFFFFF"/>
-              </a:solidFill>
-            </a:endParaRPr>
+              <a:rPr lang="en-US" sz="1500" dirty="0">
+                <a:solidFill>
+                  <a:srgbClr val="FFFFFF"/>
+                </a:solidFill>
+              </a:rPr>
+              <a:t>Load environment file </a:t>
+            </a:r>
           </a:p>
           <a:p>
             <a:endParaRPr lang="en-US" sz="1500" dirty="0">
@@ -5534,12 +5575,19 @@
               </a:solidFill>
             </a:endParaRPr>
           </a:p>
+          <a:p>
+            <a:endParaRPr lang="en-US" sz="1500" dirty="0">
+              <a:solidFill>
+                <a:srgbClr val="FFFFFF"/>
+              </a:solidFill>
+            </a:endParaRPr>
+          </a:p>
         </p:txBody>
       </p:sp>
     </p:spTree>
     <p:extLst>
       <p:ext uri="{BB962C8B-B14F-4D97-AF65-F5344CB8AC3E}">
-        <p14:creationId xmlns:p14="http://schemas.microsoft.com/office/powerpoint/2010/main" val="1387573588"/>
+        <p14:creationId xmlns:p14="http://schemas.microsoft.com/office/powerpoint/2010/main" val="2938818025"/>
       </p:ext>
     </p:extLst>
   </p:cSld>
@@ -5575,7 +5623,7 @@
           <p:nvPr>
             <p:extLst>
               <p:ext uri="{386F3935-93C4-4BCD-93E2-E3B085C9AB24}">
-                <p16:designElem xmlns="" xmlns:p16="http://schemas.microsoft.com/office/powerpoint/2015/main" val="1"/>
+                <p16:designElem xmlns:p16="http://schemas.microsoft.com/office/powerpoint/2015/main" val="1"/>
               </p:ext>
             </p:extLst>
           </p:nvPr>
@@ -5626,7 +5674,7 @@
           <p:nvPr>
             <p:extLst>
               <p:ext uri="{386F3935-93C4-4BCD-93E2-E3B085C9AB24}">
-                <p16:designElem xmlns="" xmlns:p16="http://schemas.microsoft.com/office/powerpoint/2015/main" val="1"/>
+                <p16:designElem xmlns:p16="http://schemas.microsoft.com/office/powerpoint/2015/main" val="1"/>
               </p:ext>
             </p:extLst>
           </p:nvPr>
@@ -5672,7 +5720,7 @@
           <p:nvPr>
             <p:extLst>
               <p:ext uri="{386F3935-93C4-4BCD-93E2-E3B085C9AB24}">
-                <p16:designElem xmlns="" xmlns:p16="http://schemas.microsoft.com/office/powerpoint/2015/main" val="1"/>
+                <p16:designElem xmlns:p16="http://schemas.microsoft.com/office/powerpoint/2015/main" val="1"/>
               </p:ext>
             </p:extLst>
           </p:nvPr>
@@ -5747,46 +5795,310 @@
           </a:p>
         </p:txBody>
       </p:sp>
-      <p:sp>
-        <p:nvSpPr>
-          <p:cNvPr id="3" name="Content Placeholder 2"/>
-          <p:cNvSpPr>
-            <a:spLocks noGrp="1"/>
-          </p:cNvSpPr>
-          <p:nvPr>
-            <p:ph idx="1"/>
-          </p:nvPr>
-        </p:nvSpPr>
-        <p:spPr>
-          <a:xfrm>
-            <a:off x="492371" y="2653800"/>
+      <p:pic>
+        <p:nvPicPr>
+          <p:cNvPr id="4" name="Picture 3"/>
+          <p:cNvPicPr>
+            <a:picLocks noChangeAspect="1"/>
+          </p:cNvPicPr>
+          <p:nvPr/>
+        </p:nvPicPr>
+        <p:blipFill>
+          <a:blip r:embed="rId2"/>
+          <a:stretch>
+            <a:fillRect/>
+          </a:stretch>
+        </p:blipFill>
+        <p:spPr>
+          <a:xfrm>
+            <a:off x="4357030" y="3062158"/>
+            <a:ext cx="7574207" cy="733684"/>
+          </a:xfrm>
+          <a:prstGeom prst="rect">
+            <a:avLst/>
+          </a:prstGeom>
+        </p:spPr>
+      </p:pic>
+      <p:sp>
+        <p:nvSpPr>
+          <p:cNvPr id="8" name="Content Placeholder 2"/>
+          <p:cNvSpPr txBox="1">
+            <a:spLocks/>
+          </p:cNvSpPr>
+          <p:nvPr/>
+        </p:nvSpPr>
+        <p:spPr>
+          <a:xfrm>
+            <a:off x="477622" y="2737035"/>
             <a:ext cx="3084844" cy="3335519"/>
           </a:xfrm>
-        </p:spPr>
-        <p:txBody>
-          <a:bodyPr>
+          <a:prstGeom prst="rect">
+            <a:avLst/>
+          </a:prstGeom>
+        </p:spPr>
+        <p:txBody>
+          <a:bodyPr vert="horz" lIns="0" tIns="45720" rIns="0" bIns="45720" rtlCol="0">
             <a:normAutofit/>
           </a:bodyPr>
-          <a:lstStyle/>
-          <a:p>
-            <a:pPr marL="91440" lvl="1" indent="-91440">
+          <a:lstStyle>
+            <a:lvl1pPr marL="91440" indent="-91440" algn="l" defTabSz="914400" rtl="0" eaLnBrk="1" latinLnBrk="0" hangingPunct="1">
+              <a:lnSpc>
+                <a:spcPct val="90000"/>
+              </a:lnSpc>
               <a:spcBef>
                 <a:spcPts val="1200"/>
               </a:spcBef>
               <a:spcAft>
                 <a:spcPts val="200"/>
               </a:spcAft>
+              <a:buClr>
+                <a:schemeClr val="accent1"/>
+              </a:buClr>
               <a:buSzPct val="100000"/>
               <a:buFont typeface="Calibri" panose="020F0502020204030204" pitchFamily="34" charset="0"/>
               <a:buChar char=" "/>
+              <a:defRPr sz="2000" kern="1200">
+                <a:solidFill>
+                  <a:schemeClr val="tx1">
+                    <a:lumMod val="75000"/>
+                    <a:lumOff val="25000"/>
+                  </a:schemeClr>
+                </a:solidFill>
+                <a:latin typeface="+mn-lt"/>
+                <a:ea typeface="+mn-ea"/>
+                <a:cs typeface="+mn-cs"/>
+              </a:defRPr>
+            </a:lvl1pPr>
+            <a:lvl2pPr marL="384048" indent="-182880" algn="l" defTabSz="914400" rtl="0" eaLnBrk="1" latinLnBrk="0" hangingPunct="1">
+              <a:lnSpc>
+                <a:spcPct val="90000"/>
+              </a:lnSpc>
+              <a:spcBef>
+                <a:spcPts val="200"/>
+              </a:spcBef>
+              <a:spcAft>
+                <a:spcPts val="400"/>
+              </a:spcAft>
+              <a:buClr>
+                <a:schemeClr val="accent1"/>
+              </a:buClr>
+              <a:buFont typeface="Calibri" pitchFamily="34" charset="0"/>
+              <a:buChar char="◦"/>
+              <a:defRPr sz="1800" kern="1200">
+                <a:solidFill>
+                  <a:schemeClr val="tx1">
+                    <a:lumMod val="75000"/>
+                    <a:lumOff val="25000"/>
+                  </a:schemeClr>
+                </a:solidFill>
+                <a:latin typeface="+mn-lt"/>
+                <a:ea typeface="+mn-ea"/>
+                <a:cs typeface="+mn-cs"/>
+              </a:defRPr>
+            </a:lvl2pPr>
+            <a:lvl3pPr marL="566928" indent="-182880" algn="l" defTabSz="914400" rtl="0" eaLnBrk="1" latinLnBrk="0" hangingPunct="1">
+              <a:lnSpc>
+                <a:spcPct val="90000"/>
+              </a:lnSpc>
+              <a:spcBef>
+                <a:spcPts val="200"/>
+              </a:spcBef>
+              <a:spcAft>
+                <a:spcPts val="400"/>
+              </a:spcAft>
+              <a:buClr>
+                <a:schemeClr val="accent1"/>
+              </a:buClr>
+              <a:buFont typeface="Calibri" pitchFamily="34" charset="0"/>
+              <a:buChar char="◦"/>
+              <a:defRPr sz="1400" kern="1200">
+                <a:solidFill>
+                  <a:schemeClr val="tx1">
+                    <a:lumMod val="75000"/>
+                    <a:lumOff val="25000"/>
+                  </a:schemeClr>
+                </a:solidFill>
+                <a:latin typeface="+mn-lt"/>
+                <a:ea typeface="+mn-ea"/>
+                <a:cs typeface="+mn-cs"/>
+              </a:defRPr>
+            </a:lvl3pPr>
+            <a:lvl4pPr marL="749808" indent="-182880" algn="l" defTabSz="914400" rtl="0" eaLnBrk="1" latinLnBrk="0" hangingPunct="1">
+              <a:lnSpc>
+                <a:spcPct val="90000"/>
+              </a:lnSpc>
+              <a:spcBef>
+                <a:spcPts val="200"/>
+              </a:spcBef>
+              <a:spcAft>
+                <a:spcPts val="400"/>
+              </a:spcAft>
+              <a:buClr>
+                <a:schemeClr val="accent1"/>
+              </a:buClr>
+              <a:buFont typeface="Calibri" pitchFamily="34" charset="0"/>
+              <a:buChar char="◦"/>
+              <a:defRPr sz="1400" kern="1200">
+                <a:solidFill>
+                  <a:schemeClr val="tx1">
+                    <a:lumMod val="75000"/>
+                    <a:lumOff val="25000"/>
+                  </a:schemeClr>
+                </a:solidFill>
+                <a:latin typeface="+mn-lt"/>
+                <a:ea typeface="+mn-ea"/>
+                <a:cs typeface="+mn-cs"/>
+              </a:defRPr>
+            </a:lvl4pPr>
+            <a:lvl5pPr marL="932688" indent="-182880" algn="l" defTabSz="914400" rtl="0" eaLnBrk="1" latinLnBrk="0" hangingPunct="1">
+              <a:lnSpc>
+                <a:spcPct val="90000"/>
+              </a:lnSpc>
+              <a:spcBef>
+                <a:spcPts val="200"/>
+              </a:spcBef>
+              <a:spcAft>
+                <a:spcPts val="400"/>
+              </a:spcAft>
+              <a:buClr>
+                <a:schemeClr val="accent1"/>
+              </a:buClr>
+              <a:buFont typeface="Calibri" pitchFamily="34" charset="0"/>
+              <a:buChar char="◦"/>
+              <a:defRPr sz="1400" kern="1200">
+                <a:solidFill>
+                  <a:schemeClr val="tx1">
+                    <a:lumMod val="75000"/>
+                    <a:lumOff val="25000"/>
+                  </a:schemeClr>
+                </a:solidFill>
+                <a:latin typeface="+mn-lt"/>
+                <a:ea typeface="+mn-ea"/>
+                <a:cs typeface="+mn-cs"/>
+              </a:defRPr>
+            </a:lvl5pPr>
+            <a:lvl6pPr marL="1100000" indent="-228600" algn="l" defTabSz="914400" rtl="0" eaLnBrk="1" latinLnBrk="0" hangingPunct="1">
+              <a:lnSpc>
+                <a:spcPct val="90000"/>
+              </a:lnSpc>
+              <a:spcBef>
+                <a:spcPts val="200"/>
+              </a:spcBef>
+              <a:spcAft>
+                <a:spcPts val="400"/>
+              </a:spcAft>
+              <a:buClr>
+                <a:schemeClr val="accent1"/>
+              </a:buClr>
+              <a:buFont typeface="Calibri" pitchFamily="34" charset="0"/>
+              <a:buChar char="◦"/>
+              <a:defRPr sz="1400" kern="1200">
+                <a:solidFill>
+                  <a:schemeClr val="tx1">
+                    <a:lumMod val="75000"/>
+                    <a:lumOff val="25000"/>
+                  </a:schemeClr>
+                </a:solidFill>
+                <a:latin typeface="+mn-lt"/>
+                <a:ea typeface="+mn-ea"/>
+                <a:cs typeface="+mn-cs"/>
+              </a:defRPr>
+            </a:lvl6pPr>
+            <a:lvl7pPr marL="1300000" indent="-228600" algn="l" defTabSz="914400" rtl="0" eaLnBrk="1" latinLnBrk="0" hangingPunct="1">
+              <a:lnSpc>
+                <a:spcPct val="90000"/>
+              </a:lnSpc>
+              <a:spcBef>
+                <a:spcPts val="200"/>
+              </a:spcBef>
+              <a:spcAft>
+                <a:spcPts val="400"/>
+              </a:spcAft>
+              <a:buClr>
+                <a:schemeClr val="accent1"/>
+              </a:buClr>
+              <a:buFont typeface="Calibri" pitchFamily="34" charset="0"/>
+              <a:buChar char="◦"/>
+              <a:defRPr sz="1400" kern="1200">
+                <a:solidFill>
+                  <a:schemeClr val="tx1">
+                    <a:lumMod val="75000"/>
+                    <a:lumOff val="25000"/>
+                  </a:schemeClr>
+                </a:solidFill>
+                <a:latin typeface="+mn-lt"/>
+                <a:ea typeface="+mn-ea"/>
+                <a:cs typeface="+mn-cs"/>
+              </a:defRPr>
+            </a:lvl7pPr>
+            <a:lvl8pPr marL="1500000" indent="-228600" algn="l" defTabSz="914400" rtl="0" eaLnBrk="1" latinLnBrk="0" hangingPunct="1">
+              <a:lnSpc>
+                <a:spcPct val="90000"/>
+              </a:lnSpc>
+              <a:spcBef>
+                <a:spcPts val="200"/>
+              </a:spcBef>
+              <a:spcAft>
+                <a:spcPts val="400"/>
+              </a:spcAft>
+              <a:buClr>
+                <a:schemeClr val="accent1"/>
+              </a:buClr>
+              <a:buFont typeface="Calibri" pitchFamily="34" charset="0"/>
+              <a:buChar char="◦"/>
+              <a:defRPr sz="1400" kern="1200">
+                <a:solidFill>
+                  <a:schemeClr val="tx1">
+                    <a:lumMod val="75000"/>
+                    <a:lumOff val="25000"/>
+                  </a:schemeClr>
+                </a:solidFill>
+                <a:latin typeface="+mn-lt"/>
+                <a:ea typeface="+mn-ea"/>
+                <a:cs typeface="+mn-cs"/>
+              </a:defRPr>
+            </a:lvl8pPr>
+            <a:lvl9pPr marL="1700000" indent="-228600" algn="l" defTabSz="914400" rtl="0" eaLnBrk="1" latinLnBrk="0" hangingPunct="1">
+              <a:lnSpc>
+                <a:spcPct val="90000"/>
+              </a:lnSpc>
+              <a:spcBef>
+                <a:spcPts val="200"/>
+              </a:spcBef>
+              <a:spcAft>
+                <a:spcPts val="400"/>
+              </a:spcAft>
+              <a:buClr>
+                <a:schemeClr val="accent1"/>
+              </a:buClr>
+              <a:buFont typeface="Calibri" pitchFamily="34" charset="0"/>
+              <a:buChar char="◦"/>
+              <a:defRPr sz="1400" kern="1200">
+                <a:solidFill>
+                  <a:schemeClr val="tx1">
+                    <a:lumMod val="75000"/>
+                    <a:lumOff val="25000"/>
+                  </a:schemeClr>
+                </a:solidFill>
+                <a:latin typeface="+mn-lt"/>
+                <a:ea typeface="+mn-ea"/>
+                <a:cs typeface="+mn-cs"/>
+              </a:defRPr>
+            </a:lvl9pPr>
+          </a:lstStyle>
+          <a:p>
+            <a:pPr marL="201168" lvl="1" indent="0">
+              <a:buNone/>
             </a:pPr>
             <a:r>
-              <a:rPr lang="en-US" sz="2400" dirty="0"/>
+              <a:rPr lang="en-US" sz="1500" dirty="0">
+                <a:solidFill>
+                  <a:srgbClr val="FFFFFF"/>
+                </a:solidFill>
+              </a:rPr>
               <a:t>View the target list in Graph view </a:t>
             </a:r>
-          </a:p>
-          <a:p>
-            <a:endParaRPr lang="en-US" sz="1600" dirty="0">
+            <a:endParaRPr lang="en-US" sz="1500" dirty="0" smtClean="0">
               <a:solidFill>
                 <a:srgbClr val="FFFFFF"/>
               </a:solidFill>
@@ -5840,7 +6152,7 @@
           <p:nvPr>
             <p:extLst>
               <p:ext uri="{386F3935-93C4-4BCD-93E2-E3B085C9AB24}">
-                <p16:designElem xmlns="" xmlns:p16="http://schemas.microsoft.com/office/powerpoint/2015/main" val="1"/>
+                <p16:designElem xmlns:p16="http://schemas.microsoft.com/office/powerpoint/2015/main" val="1"/>
               </p:ext>
             </p:extLst>
           </p:nvPr>
@@ -5891,7 +6203,7 @@
           <p:nvPr>
             <p:extLst>
               <p:ext uri="{386F3935-93C4-4BCD-93E2-E3B085C9AB24}">
-                <p16:designElem xmlns="" xmlns:p16="http://schemas.microsoft.com/office/powerpoint/2015/main" val="1"/>
+                <p16:designElem xmlns:p16="http://schemas.microsoft.com/office/powerpoint/2015/main" val="1"/>
               </p:ext>
             </p:extLst>
           </p:nvPr>
@@ -5937,7 +6249,7 @@
           <p:nvPr>
             <p:extLst>
               <p:ext uri="{386F3935-93C4-4BCD-93E2-E3B085C9AB24}">
-                <p16:designElem xmlns="" xmlns:p16="http://schemas.microsoft.com/office/powerpoint/2015/main" val="1"/>
+                <p16:designElem xmlns:p16="http://schemas.microsoft.com/office/powerpoint/2015/main" val="1"/>
               </p:ext>
             </p:extLst>
           </p:nvPr>
@@ -6033,15 +6345,7 @@
                   <a:srgbClr val="FFFFFF"/>
                 </a:solidFill>
               </a:rPr>
-              <a:t>Sprint Task </a:t>
-            </a:r>
-            <a:r>
-              <a:rPr lang="en-US" altLang="zh-CN" sz="3600" dirty="0" smtClean="0">
-                <a:solidFill>
-                  <a:srgbClr val="FFFFFF"/>
-                </a:solidFill>
-              </a:rPr>
-              <a:t>31</a:t>
+              <a:t>Sprint Task 31</a:t>
             </a:r>
             <a:endParaRPr lang="en-US" sz="3600" dirty="0">
               <a:solidFill>
@@ -6167,7 +6471,7 @@
           <p:nvPr>
             <p:extLst>
               <p:ext uri="{386F3935-93C4-4BCD-93E2-E3B085C9AB24}">
-                <p16:designElem xmlns="" xmlns:p16="http://schemas.microsoft.com/office/powerpoint/2015/main" val="1"/>
+                <p16:designElem xmlns:p16="http://schemas.microsoft.com/office/powerpoint/2015/main" val="1"/>
               </p:ext>
             </p:extLst>
           </p:nvPr>
@@ -6218,7 +6522,7 @@
           <p:nvPr>
             <p:extLst>
               <p:ext uri="{386F3935-93C4-4BCD-93E2-E3B085C9AB24}">
-                <p16:designElem xmlns="" xmlns:p16="http://schemas.microsoft.com/office/powerpoint/2015/main" val="1"/>
+                <p16:designElem xmlns:p16="http://schemas.microsoft.com/office/powerpoint/2015/main" val="1"/>
               </p:ext>
             </p:extLst>
           </p:nvPr>
@@ -6264,7 +6568,7 @@
           <p:nvPr>
             <p:extLst>
               <p:ext uri="{386F3935-93C4-4BCD-93E2-E3B085C9AB24}">
-                <p16:designElem xmlns="" xmlns:p16="http://schemas.microsoft.com/office/powerpoint/2015/main" val="1"/>
+                <p16:designElem xmlns:p16="http://schemas.microsoft.com/office/powerpoint/2015/main" val="1"/>
               </p:ext>
             </p:extLst>
           </p:nvPr>
@@ -6360,15 +6664,7 @@
                   <a:srgbClr val="FFFFFF"/>
                 </a:solidFill>
               </a:rPr>
-              <a:t>Sprint Task </a:t>
-            </a:r>
-            <a:r>
-              <a:rPr lang="en-US" altLang="zh-CN" sz="3600" dirty="0" smtClean="0">
-                <a:solidFill>
-                  <a:srgbClr val="FFFFFF"/>
-                </a:solidFill>
-              </a:rPr>
-              <a:t>32</a:t>
+              <a:t>Sprint Task 32</a:t>
             </a:r>
             <a:endParaRPr lang="en-US" sz="3600" dirty="0">
               <a:solidFill>

--- a/documents/set5/Presentation5.pptx
+++ b/documents/set5/Presentation5.pptx
@@ -5323,7 +5323,7 @@
       </p:grpSpPr>
       <p:sp useBgFill="1">
         <p:nvSpPr>
-          <p:cNvPr id="25" name="Rectangle 24"/>
+          <p:cNvPr id="34" name="Rectangle 33"/>
           <p:cNvSpPr>
             <a:spLocks noGrp="1" noRot="1" noChangeAspect="1" noMove="1" noResize="1" noEditPoints="1" noAdjustHandles="1" noChangeArrowheads="1" noChangeShapeType="1" noTextEdit="1"/>
           </p:cNvSpPr>
@@ -5374,7 +5374,7 @@
       </p:sp>
       <p:sp>
         <p:nvSpPr>
-          <p:cNvPr id="27" name="Rectangle 26"/>
+          <p:cNvPr id="36" name="Rectangle 35"/>
           <p:cNvSpPr>
             <a:spLocks noGrp="1" noRot="1" noChangeAspect="1" noMove="1" noResize="1" noEditPoints="1" noAdjustHandles="1" noChangeArrowheads="1" noChangeShapeType="1" noTextEdit="1"/>
           </p:cNvSpPr>
@@ -5420,7 +5420,7 @@
       </p:sp>
       <p:sp>
         <p:nvSpPr>
-          <p:cNvPr id="29" name="Rectangle 28"/>
+          <p:cNvPr id="38" name="Rectangle 37"/>
           <p:cNvSpPr>
             <a:spLocks noGrp="1" noRot="1" noChangeAspect="1" noMove="1" noResize="1" noEditPoints="1" noAdjustHandles="1" noChangeArrowheads="1" noChangeShapeType="1" noTextEdit="1"/>
           </p:cNvSpPr>
@@ -5466,7 +5466,7 @@
       </p:sp>
       <p:pic>
         <p:nvPicPr>
-          <p:cNvPr id="4" name="Picture 3"/>
+          <p:cNvPr id="5" name="Picture 4"/>
           <p:cNvPicPr>
             <a:picLocks noChangeAspect="1"/>
           </p:cNvPicPr>
@@ -5480,8 +5480,8 @@
         </p:blipFill>
         <p:spPr>
           <a:xfrm>
-            <a:off x="4376607" y="2590726"/>
-            <a:ext cx="7535053" cy="1676548"/>
+            <a:off x="4453793" y="2653800"/>
+            <a:ext cx="7274138" cy="1582123"/>
           </a:xfrm>
           <a:prstGeom prst="rect">
             <a:avLst/>
@@ -5560,7 +5560,7 @@
               <a:buChar char=" "/>
             </a:pPr>
             <a:r>
-              <a:rPr lang="en-US" sz="1500" dirty="0">
+              <a:rPr lang="en-US" sz="1500">
                 <a:solidFill>
                   <a:srgbClr val="FFFFFF"/>
                 </a:solidFill>
@@ -5569,14 +5569,14 @@
             </a:r>
           </a:p>
           <a:p>
-            <a:endParaRPr lang="en-US" sz="1500" dirty="0">
+            <a:endParaRPr lang="en-US" sz="1500">
               <a:solidFill>
                 <a:srgbClr val="FFFFFF"/>
               </a:solidFill>
             </a:endParaRPr>
           </a:p>
           <a:p>
-            <a:endParaRPr lang="en-US" sz="1500" dirty="0">
+            <a:endParaRPr lang="en-US" sz="1500">
               <a:solidFill>
                 <a:srgbClr val="FFFFFF"/>
               </a:solidFill>
@@ -5587,7 +5587,7 @@
     </p:spTree>
     <p:extLst>
       <p:ext uri="{BB962C8B-B14F-4D97-AF65-F5344CB8AC3E}">
-        <p14:creationId xmlns:p14="http://schemas.microsoft.com/office/powerpoint/2010/main" val="2938818025"/>
+        <p14:creationId xmlns:p14="http://schemas.microsoft.com/office/powerpoint/2010/main" val="2296772672"/>
       </p:ext>
     </p:extLst>
   </p:cSld>

--- a/documents/set5/Presentation5.pptx
+++ b/documents/set5/Presentation5.pptx
@@ -5038,7 +5038,7 @@
       </p:grpSpPr>
       <p:sp useBgFill="1">
         <p:nvSpPr>
-          <p:cNvPr id="25" name="Rectangle 24"/>
+          <p:cNvPr id="43" name="Rectangle 42"/>
           <p:cNvSpPr>
             <a:spLocks noGrp="1" noRot="1" noChangeAspect="1" noMove="1" noResize="1" noEditPoints="1" noAdjustHandles="1" noChangeArrowheads="1" noChangeShapeType="1" noTextEdit="1"/>
           </p:cNvSpPr>
@@ -5089,7 +5089,7 @@
       </p:sp>
       <p:sp>
         <p:nvSpPr>
-          <p:cNvPr id="27" name="Rectangle 26"/>
+          <p:cNvPr id="45" name="Rectangle 44"/>
           <p:cNvSpPr>
             <a:spLocks noGrp="1" noRot="1" noChangeAspect="1" noMove="1" noResize="1" noEditPoints="1" noAdjustHandles="1" noChangeArrowheads="1" noChangeShapeType="1" noTextEdit="1"/>
           </p:cNvSpPr>
@@ -5135,7 +5135,7 @@
       </p:sp>
       <p:sp>
         <p:nvSpPr>
-          <p:cNvPr id="29" name="Rectangle 28"/>
+          <p:cNvPr id="47" name="Rectangle 46"/>
           <p:cNvSpPr>
             <a:spLocks noGrp="1" noRot="1" noChangeAspect="1" noMove="1" noResize="1" noEditPoints="1" noAdjustHandles="1" noChangeArrowheads="1" noChangeShapeType="1" noTextEdit="1"/>
           </p:cNvSpPr>
@@ -5195,8 +5195,8 @@
         </p:blipFill>
         <p:spPr>
           <a:xfrm>
-            <a:off x="4600732" y="1371600"/>
-            <a:ext cx="7086804" cy="3525684"/>
+            <a:off x="4513663" y="631320"/>
+            <a:ext cx="7150621" cy="5595359"/>
           </a:xfrm>
           <a:prstGeom prst="rect">
             <a:avLst/>
@@ -5294,7 +5294,7 @@
     </p:spTree>
     <p:extLst>
       <p:ext uri="{BB962C8B-B14F-4D97-AF65-F5344CB8AC3E}">
-        <p14:creationId xmlns:p14="http://schemas.microsoft.com/office/powerpoint/2010/main" val="2434814738"/>
+        <p14:creationId xmlns:p14="http://schemas.microsoft.com/office/powerpoint/2010/main" val="3049832890"/>
       </p:ext>
     </p:extLst>
   </p:cSld>
@@ -5323,7 +5323,7 @@
       </p:grpSpPr>
       <p:sp useBgFill="1">
         <p:nvSpPr>
-          <p:cNvPr id="34" name="Rectangle 33"/>
+          <p:cNvPr id="43" name="Rectangle 42"/>
           <p:cNvSpPr>
             <a:spLocks noGrp="1" noRot="1" noChangeAspect="1" noMove="1" noResize="1" noEditPoints="1" noAdjustHandles="1" noChangeArrowheads="1" noChangeShapeType="1" noTextEdit="1"/>
           </p:cNvSpPr>
@@ -5374,7 +5374,7 @@
       </p:sp>
       <p:sp>
         <p:nvSpPr>
-          <p:cNvPr id="36" name="Rectangle 35"/>
+          <p:cNvPr id="45" name="Rectangle 44"/>
           <p:cNvSpPr>
             <a:spLocks noGrp="1" noRot="1" noChangeAspect="1" noMove="1" noResize="1" noEditPoints="1" noAdjustHandles="1" noChangeArrowheads="1" noChangeShapeType="1" noTextEdit="1"/>
           </p:cNvSpPr>
@@ -5420,7 +5420,7 @@
       </p:sp>
       <p:sp>
         <p:nvSpPr>
-          <p:cNvPr id="38" name="Rectangle 37"/>
+          <p:cNvPr id="47" name="Rectangle 46"/>
           <p:cNvSpPr>
             <a:spLocks noGrp="1" noRot="1" noChangeAspect="1" noMove="1" noResize="1" noEditPoints="1" noAdjustHandles="1" noChangeArrowheads="1" noChangeShapeType="1" noTextEdit="1"/>
           </p:cNvSpPr>
@@ -5466,7 +5466,7 @@
       </p:sp>
       <p:pic>
         <p:nvPicPr>
-          <p:cNvPr id="5" name="Picture 4"/>
+          <p:cNvPr id="4" name="Picture 3"/>
           <p:cNvPicPr>
             <a:picLocks noChangeAspect="1"/>
           </p:cNvPicPr>
@@ -5480,8 +5480,8 @@
         </p:blipFill>
         <p:spPr>
           <a:xfrm>
-            <a:off x="4453793" y="2653800"/>
-            <a:ext cx="7274138" cy="1582123"/>
+            <a:off x="4460998" y="2216757"/>
+            <a:ext cx="7259728" cy="2413857"/>
           </a:xfrm>
           <a:prstGeom prst="rect">
             <a:avLst/>
@@ -5560,23 +5560,31 @@
               <a:buChar char=" "/>
             </a:pPr>
             <a:r>
-              <a:rPr lang="en-US" sz="1500">
+              <a:rPr lang="en-US" sz="1500" dirty="0" smtClean="0">
                 <a:solidFill>
                   <a:srgbClr val="FFFFFF"/>
                 </a:solidFill>
               </a:rPr>
-              <a:t>Load environment file </a:t>
-            </a:r>
-          </a:p>
-          <a:p>
-            <a:endParaRPr lang="en-US" sz="1500">
+              <a:t>   Load </a:t>
+            </a:r>
+            <a:r>
+              <a:rPr lang="en-US" sz="1500" dirty="0">
+                <a:solidFill>
+                  <a:srgbClr val="FFFFFF"/>
+                </a:solidFill>
+              </a:rPr>
+              <a:t>environment file </a:t>
+            </a:r>
+          </a:p>
+          <a:p>
+            <a:endParaRPr lang="en-US" sz="1500" dirty="0">
               <a:solidFill>
                 <a:srgbClr val="FFFFFF"/>
               </a:solidFill>
             </a:endParaRPr>
           </a:p>
           <a:p>
-            <a:endParaRPr lang="en-US" sz="1500">
+            <a:endParaRPr lang="en-US" sz="1500" dirty="0">
               <a:solidFill>
                 <a:srgbClr val="FFFFFF"/>
               </a:solidFill>
@@ -5587,7 +5595,7 @@
     </p:spTree>
     <p:extLst>
       <p:ext uri="{BB962C8B-B14F-4D97-AF65-F5344CB8AC3E}">
-        <p14:creationId xmlns:p14="http://schemas.microsoft.com/office/powerpoint/2010/main" val="2296772672"/>
+        <p14:creationId xmlns:p14="http://schemas.microsoft.com/office/powerpoint/2010/main" val="88382807"/>
       </p:ext>
     </p:extLst>
   </p:cSld>
@@ -5795,30 +5803,6 @@
           </a:p>
         </p:txBody>
       </p:sp>
-      <p:pic>
-        <p:nvPicPr>
-          <p:cNvPr id="4" name="Picture 3"/>
-          <p:cNvPicPr>
-            <a:picLocks noChangeAspect="1"/>
-          </p:cNvPicPr>
-          <p:nvPr/>
-        </p:nvPicPr>
-        <p:blipFill>
-          <a:blip r:embed="rId2"/>
-          <a:stretch>
-            <a:fillRect/>
-          </a:stretch>
-        </p:blipFill>
-        <p:spPr>
-          <a:xfrm>
-            <a:off x="4357030" y="3062158"/>
-            <a:ext cx="7574207" cy="733684"/>
-          </a:xfrm>
-          <a:prstGeom prst="rect">
-            <a:avLst/>
-          </a:prstGeom>
-        </p:spPr>
-      </p:pic>
       <p:sp>
         <p:nvSpPr>
           <p:cNvPr id="8" name="Content Placeholder 2"/>
@@ -5829,7 +5813,7 @@
         </p:nvSpPr>
         <p:spPr>
           <a:xfrm>
-            <a:off x="477622" y="2737035"/>
+            <a:off x="477622" y="2701866"/>
             <a:ext cx="3084844" cy="3335519"/>
           </a:xfrm>
           <a:prstGeom prst="rect">
@@ -6113,6 +6097,30 @@
           </a:p>
         </p:txBody>
       </p:sp>
+      <p:pic>
+        <p:nvPicPr>
+          <p:cNvPr id="3" name="Picture 2"/>
+          <p:cNvPicPr>
+            <a:picLocks noChangeAspect="1"/>
+          </p:cNvPicPr>
+          <p:nvPr/>
+        </p:nvPicPr>
+        <p:blipFill>
+          <a:blip r:embed="rId2"/>
+          <a:stretch>
+            <a:fillRect/>
+          </a:stretch>
+        </p:blipFill>
+        <p:spPr>
+          <a:xfrm>
+            <a:off x="4387389" y="3026491"/>
+            <a:ext cx="7513490" cy="805017"/>
+          </a:xfrm>
+          <a:prstGeom prst="rect">
+            <a:avLst/>
+          </a:prstGeom>
+        </p:spPr>
+      </p:pic>
     </p:spTree>
     <p:extLst>
       <p:ext uri="{BB962C8B-B14F-4D97-AF65-F5344CB8AC3E}">

--- a/documents/set5/Presentation5.pptx
+++ b/documents/set5/Presentation5.pptx
@@ -4871,7 +4871,27 @@
             </a:r>
             <a:r>
               <a:rPr lang="en-US" altLang="zh-CN" dirty="0" smtClean="0"/>
-              <a:t> Update task#30 and make it more concrete.</a:t>
+              <a:t> Update </a:t>
+            </a:r>
+            <a:r>
+              <a:rPr lang="en-US" altLang="zh-CN" dirty="0" smtClean="0"/>
+              <a:t>vague tasks </a:t>
+            </a:r>
+            <a:r>
+              <a:rPr lang="en-US" altLang="zh-CN" dirty="0" smtClean="0"/>
+              <a:t>and make </a:t>
+            </a:r>
+            <a:r>
+              <a:rPr lang="en-US" altLang="zh-CN" dirty="0" smtClean="0"/>
+              <a:t>them</a:t>
+            </a:r>
+            <a:r>
+              <a:rPr lang="en-US" altLang="zh-CN" dirty="0" smtClean="0"/>
+              <a:t> </a:t>
+            </a:r>
+            <a:r>
+              <a:rPr lang="en-US" altLang="zh-CN" dirty="0" smtClean="0"/>
+              <a:t>more concrete.</a:t>
             </a:r>
             <a:endParaRPr lang="zh-CN" altLang="en-US" dirty="0" smtClean="0"/>
           </a:p>
